--- a/Presentazione MAS/Presentazione MAS.pptx
+++ b/Presentazione MAS/Presentazione MAS.pptx
@@ -241,7 +241,7 @@
             <a:pPr rtl="0"/>
             <a:fld id="{23AEF8A9-CFB5-40C0-BAE2-5B4633EC9F63}" type="datetime1">
               <a:rPr lang="it-IT" smtClean="0"/>
-              <a:t>13/09/2018</a:t>
+              <a:t>14/09/2018</a:t>
             </a:fld>
             <a:endParaRPr lang="it-IT" dirty="0"/>
           </a:p>
@@ -418,7 +418,7 @@
             <a:fld id="{09F431D3-F76B-41A6-8072-4F6D884C46F8}" type="datetime1">
               <a:rPr lang="it-IT" smtClean="0"/>
               <a:pPr/>
-              <a:t>13/09/2018</a:t>
+              <a:t>14/09/2018</a:t>
             </a:fld>
             <a:endParaRPr lang="it-IT" dirty="0"/>
           </a:p>
@@ -2148,7 +2148,7 @@
           <a:p>
             <a:fld id="{FE00C66D-72EC-4F55-BEC8-500A85C081B3}" type="datetime1">
               <a:rPr lang="it-IT" smtClean="0"/>
-              <a:t>13/09/2018</a:t>
+              <a:t>14/09/2018</a:t>
             </a:fld>
             <a:endParaRPr lang="it-IT" dirty="0"/>
           </a:p>
@@ -2421,7 +2421,7 @@
           <a:p>
             <a:fld id="{179FDD90-8460-47A7-A040-CF9AB50248A0}" type="datetime1">
               <a:rPr lang="it-IT" smtClean="0"/>
-              <a:t>13/09/2018</a:t>
+              <a:t>14/09/2018</a:t>
             </a:fld>
             <a:endParaRPr lang="it-IT" dirty="0"/>
           </a:p>
@@ -3248,7 +3248,7 @@
           <a:p>
             <a:fld id="{C35C6EAA-EB31-44A8-9C8F-5624F8F22B6E}" type="datetime1">
               <a:rPr lang="it-IT" smtClean="0"/>
-              <a:t>13/09/2018</a:t>
+              <a:t>14/09/2018</a:t>
             </a:fld>
             <a:endParaRPr lang="it-IT" dirty="0"/>
           </a:p>
@@ -4697,7 +4697,7 @@
           <a:p>
             <a:fld id="{508B2D1E-DF59-4334-A58E-8DEAA289E0E3}" type="datetime1">
               <a:rPr lang="it-IT" smtClean="0"/>
-              <a:t>13/09/2018</a:t>
+              <a:t>14/09/2018</a:t>
             </a:fld>
             <a:endParaRPr lang="it-IT" dirty="0"/>
           </a:p>
@@ -5030,7 +5030,7 @@
           <a:p>
             <a:fld id="{A34FAF5A-4D19-43B1-A45D-8D72A2F8F704}" type="datetime1">
               <a:rPr lang="it-IT" smtClean="0"/>
-              <a:t>13/09/2018</a:t>
+              <a:t>14/09/2018</a:t>
             </a:fld>
             <a:endParaRPr lang="it-IT" dirty="0"/>
           </a:p>
@@ -5489,7 +5489,7 @@
           <a:p>
             <a:fld id="{67C3AB17-3636-4D0B-9DE8-A264915F3F2F}" type="datetime1">
               <a:rPr lang="it-IT" smtClean="0"/>
-              <a:t>13/09/2018</a:t>
+              <a:t>14/09/2018</a:t>
             </a:fld>
             <a:endParaRPr lang="it-IT" dirty="0"/>
           </a:p>
@@ -5630,7 +5630,7 @@
           <a:p>
             <a:fld id="{48D20E2B-0105-405D-B96A-D58D2B631809}" type="datetime1">
               <a:rPr lang="it-IT" smtClean="0"/>
-              <a:t>13/09/2018</a:t>
+              <a:t>14/09/2018</a:t>
             </a:fld>
             <a:endParaRPr lang="it-IT" dirty="0"/>
           </a:p>
@@ -5975,7 +5975,7 @@
           <a:p>
             <a:fld id="{784E50A8-D6B4-4E55-B346-C613EC2AD65E}" type="datetime1">
               <a:rPr lang="it-IT" smtClean="0"/>
-              <a:t>13/09/2018</a:t>
+              <a:t>14/09/2018</a:t>
             </a:fld>
             <a:endParaRPr lang="it-IT" dirty="0"/>
           </a:p>
@@ -6478,7 +6478,7 @@
           <a:p>
             <a:fld id="{FBEB48ED-4E8D-4666-ADC1-9C8D79C0B922}" type="datetime1">
               <a:rPr lang="it-IT" smtClean="0"/>
-              <a:t>13/09/2018</a:t>
+              <a:t>14/09/2018</a:t>
             </a:fld>
             <a:endParaRPr lang="it-IT" dirty="0"/>
           </a:p>
@@ -6934,7 +6934,7 @@
           <a:p>
             <a:fld id="{365EC329-2963-4C84-96E5-2A1FA59F8646}" type="datetime1">
               <a:rPr lang="it-IT" smtClean="0"/>
-              <a:t>13/09/2018</a:t>
+              <a:t>14/09/2018</a:t>
             </a:fld>
             <a:endParaRPr lang="it-IT" dirty="0"/>
           </a:p>
@@ -7512,7 +7512,7 @@
           <a:p>
             <a:fld id="{99CE1268-C6CD-45A8-AABD-978440FDBD0C}" type="datetime1">
               <a:rPr lang="it-IT" smtClean="0"/>
-              <a:t>13/09/2018</a:t>
+              <a:t>14/09/2018</a:t>
             </a:fld>
             <a:endParaRPr lang="it-IT" dirty="0"/>
           </a:p>
@@ -11076,14 +11076,14 @@
             <p:ph idx="1"/>
             <p:extLst>
               <p:ext uri="{D42A27DB-BD31-4B8C-83A1-F6EECF244321}">
-                <p14:modId xmlns:p14="http://schemas.microsoft.com/office/powerpoint/2010/main" val="2892403617"/>
+                <p14:modId xmlns:p14="http://schemas.microsoft.com/office/powerpoint/2010/main" val="3715973305"/>
               </p:ext>
             </p:extLst>
           </p:nvPr>
         </p:nvGraphicFramePr>
         <p:xfrm>
           <a:off x="1593850" y="1600200"/>
-          <a:ext cx="9782176" cy="1854200"/>
+          <a:ext cx="9782176" cy="2225040"/>
         </p:xfrm>
         <a:graphic>
           <a:graphicData uri="http://schemas.openxmlformats.org/drawingml/2006/table">
@@ -11331,7 +11331,10 @@
                     <a:lstStyle/>
                     <a:p>
                       <a:pPr algn="ctr"/>
-                      <a:endParaRPr lang="it-IT" dirty="0"/>
+                      <a:r>
+                        <a:rPr lang="it-IT" dirty="0"/>
+                        <a:t>152</a:t>
+                      </a:r>
                     </a:p>
                   </a:txBody>
                   <a:tcPr/>
@@ -11342,7 +11345,10 @@
                     <a:lstStyle/>
                     <a:p>
                       <a:pPr algn="ctr"/>
-                      <a:endParaRPr lang="it-IT"/>
+                      <a:r>
+                        <a:rPr lang="it-IT" dirty="0"/>
+                        <a:t>17</a:t>
+                      </a:r>
                     </a:p>
                   </a:txBody>
                   <a:tcPr/>
@@ -11353,7 +11359,10 @@
                     <a:lstStyle/>
                     <a:p>
                       <a:pPr algn="ctr"/>
-                      <a:endParaRPr lang="it-IT" dirty="0"/>
+                      <a:r>
+                        <a:rPr lang="it-IT" dirty="0"/>
+                        <a:t>54</a:t>
+                      </a:r>
                     </a:p>
                   </a:txBody>
                   <a:tcPr/>
@@ -11385,7 +11394,10 @@
                     <a:lstStyle/>
                     <a:p>
                       <a:pPr algn="ctr"/>
-                      <a:endParaRPr lang="it-IT"/>
+                      <a:r>
+                        <a:rPr lang="it-IT" dirty="0"/>
+                        <a:t>190</a:t>
+                      </a:r>
                     </a:p>
                   </a:txBody>
                   <a:tcPr/>
@@ -11396,7 +11408,10 @@
                     <a:lstStyle/>
                     <a:p>
                       <a:pPr algn="ctr"/>
-                      <a:endParaRPr lang="it-IT"/>
+                      <a:r>
+                        <a:rPr lang="it-IT" dirty="0"/>
+                        <a:t>18</a:t>
+                      </a:r>
                     </a:p>
                   </a:txBody>
                   <a:tcPr/>
@@ -11407,6 +11422,73 @@
                     <a:lstStyle/>
                     <a:p>
                       <a:pPr algn="ctr"/>
+                      <a:r>
+                        <a:rPr lang="it-IT" dirty="0"/>
+                        <a:t>120</a:t>
+                      </a:r>
+                    </a:p>
+                  </a:txBody>
+                  <a:tcPr/>
+                </a:tc>
+                <a:extLst>
+                  <a:ext uri="{0D108BD9-81ED-4DB2-BD59-A6C34878D82A}">
+                    <a16:rowId xmlns:a16="http://schemas.microsoft.com/office/drawing/2014/main" val="295255601"/>
+                  </a:ext>
+                </a:extLst>
+              </a:tr>
+              <a:tr h="370840">
+                <a:tc>
+                  <a:txBody>
+                    <a:bodyPr/>
+                    <a:lstStyle/>
+                    <a:p>
+                      <a:pPr algn="ctr"/>
+                      <a:r>
+                        <a:rPr lang="it-IT" dirty="0"/>
+                        <a:t>5</a:t>
+                      </a:r>
+                    </a:p>
+                  </a:txBody>
+                  <a:tcPr/>
+                </a:tc>
+                <a:tc>
+                  <a:txBody>
+                    <a:bodyPr/>
+                    <a:lstStyle/>
+                    <a:p>
+                      <a:pPr algn="ctr"/>
+                      <a:r>
+                        <a:rPr lang="it-IT" dirty="0"/>
+                        <a:t>366</a:t>
+                      </a:r>
+                    </a:p>
+                  </a:txBody>
+                  <a:tcPr/>
+                </a:tc>
+                <a:tc>
+                  <a:txBody>
+                    <a:bodyPr/>
+                    <a:lstStyle/>
+                    <a:p>
+                      <a:pPr algn="ctr"/>
+                      <a:r>
+                        <a:rPr lang="it-IT" dirty="0"/>
+                        <a:t>45</a:t>
+                      </a:r>
+                    </a:p>
+                  </a:txBody>
+                  <a:tcPr/>
+                </a:tc>
+                <a:tc>
+                  <a:txBody>
+                    <a:bodyPr/>
+                    <a:lstStyle/>
+                    <a:p>
+                      <a:pPr algn="ctr"/>
+                      <a:r>
+                        <a:rPr lang="it-IT"/>
+                        <a:t>145</a:t>
+                      </a:r>
                       <a:endParaRPr lang="it-IT" dirty="0"/>
                     </a:p>
                   </a:txBody>
@@ -11414,7 +11496,7 @@
                 </a:tc>
                 <a:extLst>
                   <a:ext uri="{0D108BD9-81ED-4DB2-BD59-A6C34878D82A}">
-                    <a16:rowId xmlns:a16="http://schemas.microsoft.com/office/drawing/2014/main" val="295255601"/>
+                    <a16:rowId xmlns:a16="http://schemas.microsoft.com/office/drawing/2014/main" val="1453841873"/>
                   </a:ext>
                 </a:extLst>
               </a:tr>

--- a/Presentazione MAS/Presentazione MAS.pptx
+++ b/Presentazione MAS/Presentazione MAS.pptx
@@ -241,7 +241,7 @@
             <a:pPr rtl="0"/>
             <a:fld id="{23AEF8A9-CFB5-40C0-BAE2-5B4633EC9F63}" type="datetime1">
               <a:rPr lang="it-IT" smtClean="0"/>
-              <a:t>14/09/2018</a:t>
+              <a:t>15/09/2018</a:t>
             </a:fld>
             <a:endParaRPr lang="it-IT" dirty="0"/>
           </a:p>
@@ -418,7 +418,7 @@
             <a:fld id="{09F431D3-F76B-41A6-8072-4F6D884C46F8}" type="datetime1">
               <a:rPr lang="it-IT" smtClean="0"/>
               <a:pPr/>
-              <a:t>14/09/2018</a:t>
+              <a:t>15/09/2018</a:t>
             </a:fld>
             <a:endParaRPr lang="it-IT" dirty="0"/>
           </a:p>
@@ -2148,7 +2148,7 @@
           <a:p>
             <a:fld id="{FE00C66D-72EC-4F55-BEC8-500A85C081B3}" type="datetime1">
               <a:rPr lang="it-IT" smtClean="0"/>
-              <a:t>14/09/2018</a:t>
+              <a:t>15/09/2018</a:t>
             </a:fld>
             <a:endParaRPr lang="it-IT" dirty="0"/>
           </a:p>
@@ -2421,7 +2421,7 @@
           <a:p>
             <a:fld id="{179FDD90-8460-47A7-A040-CF9AB50248A0}" type="datetime1">
               <a:rPr lang="it-IT" smtClean="0"/>
-              <a:t>14/09/2018</a:t>
+              <a:t>15/09/2018</a:t>
             </a:fld>
             <a:endParaRPr lang="it-IT" dirty="0"/>
           </a:p>
@@ -3248,7 +3248,7 @@
           <a:p>
             <a:fld id="{C35C6EAA-EB31-44A8-9C8F-5624F8F22B6E}" type="datetime1">
               <a:rPr lang="it-IT" smtClean="0"/>
-              <a:t>14/09/2018</a:t>
+              <a:t>15/09/2018</a:t>
             </a:fld>
             <a:endParaRPr lang="it-IT" dirty="0"/>
           </a:p>
@@ -4697,7 +4697,7 @@
           <a:p>
             <a:fld id="{508B2D1E-DF59-4334-A58E-8DEAA289E0E3}" type="datetime1">
               <a:rPr lang="it-IT" smtClean="0"/>
-              <a:t>14/09/2018</a:t>
+              <a:t>15/09/2018</a:t>
             </a:fld>
             <a:endParaRPr lang="it-IT" dirty="0"/>
           </a:p>
@@ -5030,7 +5030,7 @@
           <a:p>
             <a:fld id="{A34FAF5A-4D19-43B1-A45D-8D72A2F8F704}" type="datetime1">
               <a:rPr lang="it-IT" smtClean="0"/>
-              <a:t>14/09/2018</a:t>
+              <a:t>15/09/2018</a:t>
             </a:fld>
             <a:endParaRPr lang="it-IT" dirty="0"/>
           </a:p>
@@ -5489,7 +5489,7 @@
           <a:p>
             <a:fld id="{67C3AB17-3636-4D0B-9DE8-A264915F3F2F}" type="datetime1">
               <a:rPr lang="it-IT" smtClean="0"/>
-              <a:t>14/09/2018</a:t>
+              <a:t>15/09/2018</a:t>
             </a:fld>
             <a:endParaRPr lang="it-IT" dirty="0"/>
           </a:p>
@@ -5630,7 +5630,7 @@
           <a:p>
             <a:fld id="{48D20E2B-0105-405D-B96A-D58D2B631809}" type="datetime1">
               <a:rPr lang="it-IT" smtClean="0"/>
-              <a:t>14/09/2018</a:t>
+              <a:t>15/09/2018</a:t>
             </a:fld>
             <a:endParaRPr lang="it-IT" dirty="0"/>
           </a:p>
@@ -5975,7 +5975,7 @@
           <a:p>
             <a:fld id="{784E50A8-D6B4-4E55-B346-C613EC2AD65E}" type="datetime1">
               <a:rPr lang="it-IT" smtClean="0"/>
-              <a:t>14/09/2018</a:t>
+              <a:t>15/09/2018</a:t>
             </a:fld>
             <a:endParaRPr lang="it-IT" dirty="0"/>
           </a:p>
@@ -6478,7 +6478,7 @@
           <a:p>
             <a:fld id="{FBEB48ED-4E8D-4666-ADC1-9C8D79C0B922}" type="datetime1">
               <a:rPr lang="it-IT" smtClean="0"/>
-              <a:t>14/09/2018</a:t>
+              <a:t>15/09/2018</a:t>
             </a:fld>
             <a:endParaRPr lang="it-IT" dirty="0"/>
           </a:p>
@@ -6934,7 +6934,7 @@
           <a:p>
             <a:fld id="{365EC329-2963-4C84-96E5-2A1FA59F8646}" type="datetime1">
               <a:rPr lang="it-IT" smtClean="0"/>
-              <a:t>14/09/2018</a:t>
+              <a:t>15/09/2018</a:t>
             </a:fld>
             <a:endParaRPr lang="it-IT" dirty="0"/>
           </a:p>
@@ -7512,7 +7512,7 @@
           <a:p>
             <a:fld id="{99CE1268-C6CD-45A8-AABD-978440FDBD0C}" type="datetime1">
               <a:rPr lang="it-IT" smtClean="0"/>
-              <a:t>14/09/2018</a:t>
+              <a:t>15/09/2018</a:t>
             </a:fld>
             <a:endParaRPr lang="it-IT" dirty="0"/>
           </a:p>
@@ -9713,6 +9713,36 @@
           </a:p>
         </p:txBody>
       </p:sp>
+      <p:pic>
+        <p:nvPicPr>
+          <p:cNvPr id="2" name="Immagine 1">
+            <a:extLst>
+              <a:ext uri="{FF2B5EF4-FFF2-40B4-BE49-F238E27FC236}">
+                <a16:creationId xmlns:a16="http://schemas.microsoft.com/office/drawing/2014/main" id="{ABD07DE4-4EAE-4015-9AE2-FB9760A6288D}"/>
+              </a:ext>
+            </a:extLst>
+          </p:cNvPr>
+          <p:cNvPicPr>
+            <a:picLocks noChangeAspect="1"/>
+          </p:cNvPicPr>
+          <p:nvPr/>
+        </p:nvPicPr>
+        <p:blipFill>
+          <a:blip r:embed="rId4"/>
+          <a:stretch>
+            <a:fillRect/>
+          </a:stretch>
+        </p:blipFill>
+        <p:spPr>
+          <a:xfrm>
+            <a:off x="3610136" y="3631446"/>
+            <a:ext cx="864096" cy="191098"/>
+          </a:xfrm>
+          <a:prstGeom prst="rect">
+            <a:avLst/>
+          </a:prstGeom>
+        </p:spPr>
+      </p:pic>
     </p:spTree>
     <p:extLst>
       <p:ext uri="{BB962C8B-B14F-4D97-AF65-F5344CB8AC3E}">

--- a/Presentazione MAS/Presentazione MAS.pptx
+++ b/Presentazione MAS/Presentazione MAS.pptx
@@ -5,10 +5,10 @@
     <p:sldMasterId id="2147483648" r:id="rId1"/>
   </p:sldMasterIdLst>
   <p:notesMasterIdLst>
-    <p:notesMasterId r:id="rId12"/>
+    <p:notesMasterId r:id="rId15"/>
   </p:notesMasterIdLst>
   <p:handoutMasterIdLst>
-    <p:handoutMasterId r:id="rId13"/>
+    <p:handoutMasterId r:id="rId16"/>
   </p:handoutMasterIdLst>
   <p:sldIdLst>
     <p:sldId id="256" r:id="rId2"/>
@@ -19,8 +19,11 @@
     <p:sldId id="276" r:id="rId7"/>
     <p:sldId id="278" r:id="rId8"/>
     <p:sldId id="279" r:id="rId9"/>
-    <p:sldId id="280" r:id="rId10"/>
-    <p:sldId id="281" r:id="rId11"/>
+    <p:sldId id="282" r:id="rId10"/>
+    <p:sldId id="283" r:id="rId11"/>
+    <p:sldId id="284" r:id="rId12"/>
+    <p:sldId id="285" r:id="rId13"/>
+    <p:sldId id="281" r:id="rId14"/>
   </p:sldIdLst>
   <p:sldSz cx="12188825" cy="6858000"/>
   <p:notesSz cx="6858000" cy="9144000"/>
@@ -241,7 +244,7 @@
             <a:pPr rtl="0"/>
             <a:fld id="{23AEF8A9-CFB5-40C0-BAE2-5B4633EC9F63}" type="datetime1">
               <a:rPr lang="it-IT" smtClean="0"/>
-              <a:t>15/09/2018</a:t>
+              <a:t>18/09/2018</a:t>
             </a:fld>
             <a:endParaRPr lang="it-IT" dirty="0"/>
           </a:p>
@@ -418,7 +421,7 @@
             <a:fld id="{09F431D3-F76B-41A6-8072-4F6D884C46F8}" type="datetime1">
               <a:rPr lang="it-IT" smtClean="0"/>
               <a:pPr/>
-              <a:t>15/09/2018</a:t>
+              <a:t>18/09/2018</a:t>
             </a:fld>
             <a:endParaRPr lang="it-IT" dirty="0"/>
           </a:p>
@@ -783,92 +786,6 @@
 </p:notes>
 </file>
 
-<file path=ppt/notesSlides/notesSlide10.xml><?xml version="1.0" encoding="utf-8"?>
-<p:notes xmlns:a="http://schemas.openxmlformats.org/drawingml/2006/main" xmlns:r="http://schemas.openxmlformats.org/officeDocument/2006/relationships" xmlns:p="http://schemas.openxmlformats.org/presentationml/2006/main">
-  <p:cSld>
-    <p:spTree>
-      <p:nvGrpSpPr>
-        <p:cNvPr id="1" name=""/>
-        <p:cNvGrpSpPr/>
-        <p:nvPr/>
-      </p:nvGrpSpPr>
-      <p:grpSpPr>
-        <a:xfrm>
-          <a:off x="0" y="0"/>
-          <a:ext cx="0" cy="0"/>
-          <a:chOff x="0" y="0"/>
-          <a:chExt cx="0" cy="0"/>
-        </a:xfrm>
-      </p:grpSpPr>
-      <p:sp>
-        <p:nvSpPr>
-          <p:cNvPr id="2" name="Segnaposto immagine diapositiva 1"/>
-          <p:cNvSpPr>
-            <a:spLocks noGrp="1" noRot="1" noChangeAspect="1"/>
-          </p:cNvSpPr>
-          <p:nvPr>
-            <p:ph type="sldImg"/>
-          </p:nvPr>
-        </p:nvSpPr>
-        <p:spPr/>
-      </p:sp>
-      <p:sp>
-        <p:nvSpPr>
-          <p:cNvPr id="3" name="Segnaposto note 2"/>
-          <p:cNvSpPr>
-            <a:spLocks noGrp="1"/>
-          </p:cNvSpPr>
-          <p:nvPr>
-            <p:ph type="body" idx="1"/>
-          </p:nvPr>
-        </p:nvSpPr>
-        <p:spPr/>
-        <p:txBody>
-          <a:bodyPr/>
-          <a:lstStyle/>
-          <a:p>
-            <a:endParaRPr lang="it-IT"/>
-          </a:p>
-        </p:txBody>
-      </p:sp>
-      <p:sp>
-        <p:nvSpPr>
-          <p:cNvPr id="4" name="Segnaposto numero diapositiva 3"/>
-          <p:cNvSpPr>
-            <a:spLocks noGrp="1"/>
-          </p:cNvSpPr>
-          <p:nvPr>
-            <p:ph type="sldNum" sz="quarter" idx="10"/>
-          </p:nvPr>
-        </p:nvSpPr>
-        <p:spPr/>
-        <p:txBody>
-          <a:bodyPr/>
-          <a:lstStyle/>
-          <a:p>
-            <a:pPr rtl="0"/>
-            <a:fld id="{841221E5-7225-48EB-A4EE-420E7BFCF705}" type="slidenum">
-              <a:rPr lang="it-IT" smtClean="0"/>
-              <a:pPr rtl="0"/>
-              <a:t>10</a:t>
-            </a:fld>
-            <a:endParaRPr lang="it-IT" dirty="0"/>
-          </a:p>
-        </p:txBody>
-      </p:sp>
-    </p:spTree>
-    <p:extLst>
-      <p:ext uri="{BB962C8B-B14F-4D97-AF65-F5344CB8AC3E}">
-        <p14:creationId xmlns:p14="http://schemas.microsoft.com/office/powerpoint/2010/main" val="2733793366"/>
-      </p:ext>
-    </p:extLst>
-  </p:cSld>
-  <p:clrMapOvr>
-    <a:masterClrMapping/>
-  </p:clrMapOvr>
-</p:notes>
-</file>
-
 <file path=ppt/notesSlides/notesSlide2.xml><?xml version="1.0" encoding="utf-8"?>
 <p:notes xmlns:a="http://schemas.openxmlformats.org/drawingml/2006/main" xmlns:r="http://schemas.openxmlformats.org/officeDocument/2006/relationships" xmlns:p="http://schemas.openxmlformats.org/presentationml/2006/main">
   <p:cSld>
@@ -1343,7 +1260,10 @@
           <a:bodyPr/>
           <a:lstStyle/>
           <a:p>
-            <a:endParaRPr lang="it-IT"/>
+            <a:r>
+              <a:rPr lang="it-IT" dirty="0"/>
+              <a:t>I vincoli sono stati scelti in maniera arbitraria, si possono considerare altre informazioni quali: direzione del target oggetto d’asta e di quello attualmente tracciato. </a:t>
+            </a:r>
           </a:p>
         </p:txBody>
       </p:sp>
@@ -1538,7 +1458,7 @@
             <a:fld id="{841221E5-7225-48EB-A4EE-420E7BFCF705}" type="slidenum">
               <a:rPr lang="it-IT" smtClean="0"/>
               <a:pPr rtl="0"/>
-              <a:t>9</a:t>
+              <a:t>13</a:t>
             </a:fld>
             <a:endParaRPr lang="it-IT" dirty="0"/>
           </a:p>
@@ -1547,7 +1467,7 @@
     </p:spTree>
     <p:extLst>
       <p:ext uri="{BB962C8B-B14F-4D97-AF65-F5344CB8AC3E}">
-        <p14:creationId xmlns:p14="http://schemas.microsoft.com/office/powerpoint/2010/main" val="4123208472"/>
+        <p14:creationId xmlns:p14="http://schemas.microsoft.com/office/powerpoint/2010/main" val="2733793366"/>
       </p:ext>
     </p:extLst>
   </p:cSld>
@@ -2148,7 +2068,7 @@
           <a:p>
             <a:fld id="{FE00C66D-72EC-4F55-BEC8-500A85C081B3}" type="datetime1">
               <a:rPr lang="it-IT" smtClean="0"/>
-              <a:t>15/09/2018</a:t>
+              <a:t>18/09/2018</a:t>
             </a:fld>
             <a:endParaRPr lang="it-IT" dirty="0"/>
           </a:p>
@@ -2421,7 +2341,7 @@
           <a:p>
             <a:fld id="{179FDD90-8460-47A7-A040-CF9AB50248A0}" type="datetime1">
               <a:rPr lang="it-IT" smtClean="0"/>
-              <a:t>15/09/2018</a:t>
+              <a:t>18/09/2018</a:t>
             </a:fld>
             <a:endParaRPr lang="it-IT" dirty="0"/>
           </a:p>
@@ -3248,7 +3168,7 @@
           <a:p>
             <a:fld id="{C35C6EAA-EB31-44A8-9C8F-5624F8F22B6E}" type="datetime1">
               <a:rPr lang="it-IT" smtClean="0"/>
-              <a:t>15/09/2018</a:t>
+              <a:t>18/09/2018</a:t>
             </a:fld>
             <a:endParaRPr lang="it-IT" dirty="0"/>
           </a:p>
@@ -4697,7 +4617,7 @@
           <a:p>
             <a:fld id="{508B2D1E-DF59-4334-A58E-8DEAA289E0E3}" type="datetime1">
               <a:rPr lang="it-IT" smtClean="0"/>
-              <a:t>15/09/2018</a:t>
+              <a:t>18/09/2018</a:t>
             </a:fld>
             <a:endParaRPr lang="it-IT" dirty="0"/>
           </a:p>
@@ -5030,7 +4950,7 @@
           <a:p>
             <a:fld id="{A34FAF5A-4D19-43B1-A45D-8D72A2F8F704}" type="datetime1">
               <a:rPr lang="it-IT" smtClean="0"/>
-              <a:t>15/09/2018</a:t>
+              <a:t>18/09/2018</a:t>
             </a:fld>
             <a:endParaRPr lang="it-IT" dirty="0"/>
           </a:p>
@@ -5489,7 +5409,7 @@
           <a:p>
             <a:fld id="{67C3AB17-3636-4D0B-9DE8-A264915F3F2F}" type="datetime1">
               <a:rPr lang="it-IT" smtClean="0"/>
-              <a:t>15/09/2018</a:t>
+              <a:t>18/09/2018</a:t>
             </a:fld>
             <a:endParaRPr lang="it-IT" dirty="0"/>
           </a:p>
@@ -5630,7 +5550,7 @@
           <a:p>
             <a:fld id="{48D20E2B-0105-405D-B96A-D58D2B631809}" type="datetime1">
               <a:rPr lang="it-IT" smtClean="0"/>
-              <a:t>15/09/2018</a:t>
+              <a:t>18/09/2018</a:t>
             </a:fld>
             <a:endParaRPr lang="it-IT" dirty="0"/>
           </a:p>
@@ -5975,7 +5895,7 @@
           <a:p>
             <a:fld id="{784E50A8-D6B4-4E55-B346-C613EC2AD65E}" type="datetime1">
               <a:rPr lang="it-IT" smtClean="0"/>
-              <a:t>15/09/2018</a:t>
+              <a:t>18/09/2018</a:t>
             </a:fld>
             <a:endParaRPr lang="it-IT" dirty="0"/>
           </a:p>
@@ -6478,7 +6398,7 @@
           <a:p>
             <a:fld id="{FBEB48ED-4E8D-4666-ADC1-9C8D79C0B922}" type="datetime1">
               <a:rPr lang="it-IT" smtClean="0"/>
-              <a:t>15/09/2018</a:t>
+              <a:t>18/09/2018</a:t>
             </a:fld>
             <a:endParaRPr lang="it-IT" dirty="0"/>
           </a:p>
@@ -6934,7 +6854,7 @@
           <a:p>
             <a:fld id="{365EC329-2963-4C84-96E5-2A1FA59F8646}" type="datetime1">
               <a:rPr lang="it-IT" smtClean="0"/>
-              <a:t>15/09/2018</a:t>
+              <a:t>18/09/2018</a:t>
             </a:fld>
             <a:endParaRPr lang="it-IT" dirty="0"/>
           </a:p>
@@ -7512,7 +7432,7 @@
           <a:p>
             <a:fld id="{99CE1268-C6CD-45A8-AABD-978440FDBD0C}" type="datetime1">
               <a:rPr lang="it-IT" smtClean="0"/>
-              <a:t>15/09/2018</a:t>
+              <a:t>18/09/2018</a:t>
             </a:fld>
             <a:endParaRPr lang="it-IT" dirty="0"/>
           </a:p>
@@ -8053,35 +7973,41 @@
             <p:ph type="ftr" sz="quarter" idx="11"/>
           </p:nvPr>
         </p:nvSpPr>
-        <p:spPr/>
+        <p:spPr>
+          <a:xfrm>
+            <a:off x="7304923" y="6093296"/>
+            <a:ext cx="3974065" cy="365125"/>
+          </a:xfrm>
+        </p:spPr>
         <p:txBody>
           <a:bodyPr/>
           <a:lstStyle/>
           <a:p>
-            <a:r>
-              <a:rPr lang="it-IT" dirty="0"/>
+            <a:pPr algn="r"/>
+            <a:r>
+              <a:rPr lang="it-IT" sz="1800" dirty="0"/>
               <a:t>Marco </a:t>
             </a:r>
             <a:r>
-              <a:rPr lang="it-IT" dirty="0" err="1"/>
+              <a:rPr lang="it-IT" sz="1800" dirty="0" err="1"/>
               <a:t>Matarese</a:t>
             </a:r>
             <a:r>
-              <a:rPr lang="it-IT" dirty="0"/>
-              <a:t> N97/280 </a:t>
+              <a:rPr lang="it-IT" sz="1800" dirty="0"/>
+              <a:t> N97/280</a:t>
             </a:r>
             <a:br>
-              <a:rPr lang="it-IT" dirty="0"/>
+              <a:rPr lang="it-IT" sz="1800" dirty="0"/>
             </a:br>
             <a:r>
-              <a:rPr lang="it-IT" dirty="0"/>
+              <a:rPr lang="it-IT" sz="1800" dirty="0"/>
               <a:t>Flavio Bizzarri N97/281</a:t>
             </a:r>
             <a:br>
-              <a:rPr lang="it-IT" dirty="0"/>
+              <a:rPr lang="it-IT" sz="1800" dirty="0"/>
             </a:br>
             <a:r>
-              <a:rPr lang="it-IT" dirty="0"/>
+              <a:rPr lang="it-IT" sz="1800" dirty="0"/>
               <a:t> Riccardo Grieco N97/286</a:t>
             </a:r>
           </a:p>
@@ -8131,6 +8057,480 @@
       </p:grpSpPr>
       <p:sp>
         <p:nvSpPr>
+          <p:cNvPr id="2" name="Segnaposto contenuto 1">
+            <a:extLst>
+              <a:ext uri="{FF2B5EF4-FFF2-40B4-BE49-F238E27FC236}">
+                <a16:creationId xmlns:a16="http://schemas.microsoft.com/office/drawing/2014/main" id="{720AE3D2-427B-42F0-9FE5-01BFDB911672}"/>
+              </a:ext>
+            </a:extLst>
+          </p:cNvPr>
+          <p:cNvSpPr>
+            <a:spLocks noGrp="1"/>
+          </p:cNvSpPr>
+          <p:nvPr>
+            <p:ph idx="1"/>
+          </p:nvPr>
+        </p:nvSpPr>
+        <p:spPr/>
+        <p:txBody>
+          <a:bodyPr/>
+          <a:lstStyle/>
+          <a:p>
+            <a:r>
+              <a:rPr lang="it-IT" dirty="0"/>
+              <a:t>Configurazione dei target ciclica</a:t>
+            </a:r>
+          </a:p>
+        </p:txBody>
+      </p:sp>
+      <p:sp>
+        <p:nvSpPr>
+          <p:cNvPr id="3" name="Titolo 2">
+            <a:extLst>
+              <a:ext uri="{FF2B5EF4-FFF2-40B4-BE49-F238E27FC236}">
+                <a16:creationId xmlns:a16="http://schemas.microsoft.com/office/drawing/2014/main" id="{0C348A92-C251-4672-A07C-98DA1989164A}"/>
+              </a:ext>
+            </a:extLst>
+          </p:cNvPr>
+          <p:cNvSpPr>
+            <a:spLocks noGrp="1"/>
+          </p:cNvSpPr>
+          <p:nvPr>
+            <p:ph type="title"/>
+          </p:nvPr>
+        </p:nvSpPr>
+        <p:spPr/>
+        <p:txBody>
+          <a:bodyPr/>
+          <a:lstStyle/>
+          <a:p>
+            <a:r>
+              <a:rPr lang="it-IT" dirty="0"/>
+              <a:t>Casi interessanti - 1</a:t>
+            </a:r>
+          </a:p>
+        </p:txBody>
+      </p:sp>
+      <p:pic>
+        <p:nvPicPr>
+          <p:cNvPr id="5" name="Immagine 4">
+            <a:extLst>
+              <a:ext uri="{FF2B5EF4-FFF2-40B4-BE49-F238E27FC236}">
+                <a16:creationId xmlns:a16="http://schemas.microsoft.com/office/drawing/2014/main" id="{6F24C23D-B962-4CDB-B111-70C72484386D}"/>
+              </a:ext>
+            </a:extLst>
+          </p:cNvPr>
+          <p:cNvPicPr>
+            <a:picLocks noChangeAspect="1"/>
+          </p:cNvPicPr>
+          <p:nvPr/>
+        </p:nvPicPr>
+        <p:blipFill>
+          <a:blip r:embed="rId2"/>
+          <a:stretch>
+            <a:fillRect/>
+          </a:stretch>
+        </p:blipFill>
+        <p:spPr>
+          <a:xfrm>
+            <a:off x="1593436" y="2705100"/>
+            <a:ext cx="3381375" cy="3467100"/>
+          </a:xfrm>
+          <a:prstGeom prst="rect">
+            <a:avLst/>
+          </a:prstGeom>
+        </p:spPr>
+      </p:pic>
+      <p:pic>
+        <p:nvPicPr>
+          <p:cNvPr id="7" name="Immagine 6">
+            <a:extLst>
+              <a:ext uri="{FF2B5EF4-FFF2-40B4-BE49-F238E27FC236}">
+                <a16:creationId xmlns:a16="http://schemas.microsoft.com/office/drawing/2014/main" id="{5B555768-515D-406F-B4C1-A474E6B60FE9}"/>
+              </a:ext>
+            </a:extLst>
+          </p:cNvPr>
+          <p:cNvPicPr>
+            <a:picLocks noChangeAspect="1"/>
+          </p:cNvPicPr>
+          <p:nvPr/>
+        </p:nvPicPr>
+        <p:blipFill>
+          <a:blip r:embed="rId3"/>
+          <a:stretch>
+            <a:fillRect/>
+          </a:stretch>
+        </p:blipFill>
+        <p:spPr>
+          <a:xfrm>
+            <a:off x="5230316" y="3319462"/>
+            <a:ext cx="6496050" cy="2238375"/>
+          </a:xfrm>
+          <a:prstGeom prst="rect">
+            <a:avLst/>
+          </a:prstGeom>
+        </p:spPr>
+      </p:pic>
+    </p:spTree>
+    <p:extLst>
+      <p:ext uri="{BB962C8B-B14F-4D97-AF65-F5344CB8AC3E}">
+        <p14:creationId xmlns:p14="http://schemas.microsoft.com/office/powerpoint/2010/main" val="1133852931"/>
+      </p:ext>
+    </p:extLst>
+  </p:cSld>
+  <p:clrMapOvr>
+    <a:masterClrMapping/>
+  </p:clrMapOvr>
+  <mc:AlternateContent xmlns:mc="http://schemas.openxmlformats.org/markup-compatibility/2006" xmlns:p14="http://schemas.microsoft.com/office/powerpoint/2010/main">
+    <mc:Choice Requires="p14">
+      <p:transition spd="med" p14:dur="700">
+        <p:fade/>
+      </p:transition>
+    </mc:Choice>
+    <mc:Fallback xmlns="">
+      <p:transition spd="med">
+        <p:fade/>
+      </p:transition>
+    </mc:Fallback>
+  </mc:AlternateContent>
+</p:sld>
+</file>
+
+<file path=ppt/slides/slide11.xml><?xml version="1.0" encoding="utf-8"?>
+<p:sld xmlns:a="http://schemas.openxmlformats.org/drawingml/2006/main" xmlns:r="http://schemas.openxmlformats.org/officeDocument/2006/relationships" xmlns:p="http://schemas.openxmlformats.org/presentationml/2006/main">
+  <p:cSld>
+    <p:spTree>
+      <p:nvGrpSpPr>
+        <p:cNvPr id="1" name=""/>
+        <p:cNvGrpSpPr/>
+        <p:nvPr/>
+      </p:nvGrpSpPr>
+      <p:grpSpPr>
+        <a:xfrm>
+          <a:off x="0" y="0"/>
+          <a:ext cx="0" cy="0"/>
+          <a:chOff x="0" y="0"/>
+          <a:chExt cx="0" cy="0"/>
+        </a:xfrm>
+      </p:grpSpPr>
+      <p:sp>
+        <p:nvSpPr>
+          <p:cNvPr id="2" name="Segnaposto contenuto 1">
+            <a:extLst>
+              <a:ext uri="{FF2B5EF4-FFF2-40B4-BE49-F238E27FC236}">
+                <a16:creationId xmlns:a16="http://schemas.microsoft.com/office/drawing/2014/main" id="{720AE3D2-427B-42F0-9FE5-01BFDB911672}"/>
+              </a:ext>
+            </a:extLst>
+          </p:cNvPr>
+          <p:cNvSpPr>
+            <a:spLocks noGrp="1"/>
+          </p:cNvSpPr>
+          <p:nvPr>
+            <p:ph idx="1"/>
+          </p:nvPr>
+        </p:nvSpPr>
+        <p:spPr/>
+        <p:txBody>
+          <a:bodyPr/>
+          <a:lstStyle/>
+          <a:p>
+            <a:r>
+              <a:rPr lang="it-IT" dirty="0"/>
+              <a:t>L’agente (primo) vincitore non riesce a cedere il proprio target, ma l’asta si conclude comunque positivamente</a:t>
+            </a:r>
+          </a:p>
+        </p:txBody>
+      </p:sp>
+      <p:sp>
+        <p:nvSpPr>
+          <p:cNvPr id="3" name="Titolo 2">
+            <a:extLst>
+              <a:ext uri="{FF2B5EF4-FFF2-40B4-BE49-F238E27FC236}">
+                <a16:creationId xmlns:a16="http://schemas.microsoft.com/office/drawing/2014/main" id="{0C348A92-C251-4672-A07C-98DA1989164A}"/>
+              </a:ext>
+            </a:extLst>
+          </p:cNvPr>
+          <p:cNvSpPr>
+            <a:spLocks noGrp="1"/>
+          </p:cNvSpPr>
+          <p:nvPr>
+            <p:ph type="title"/>
+          </p:nvPr>
+        </p:nvSpPr>
+        <p:spPr/>
+        <p:txBody>
+          <a:bodyPr/>
+          <a:lstStyle/>
+          <a:p>
+            <a:r>
+              <a:rPr lang="it-IT" dirty="0"/>
+              <a:t>Casi interessanti - 2</a:t>
+            </a:r>
+          </a:p>
+        </p:txBody>
+      </p:sp>
+      <p:pic>
+        <p:nvPicPr>
+          <p:cNvPr id="5" name="Immagine 4">
+            <a:extLst>
+              <a:ext uri="{FF2B5EF4-FFF2-40B4-BE49-F238E27FC236}">
+                <a16:creationId xmlns:a16="http://schemas.microsoft.com/office/drawing/2014/main" id="{6F24C23D-B962-4CDB-B111-70C72484386D}"/>
+              </a:ext>
+            </a:extLst>
+          </p:cNvPr>
+          <p:cNvPicPr>
+            <a:picLocks noChangeAspect="1"/>
+          </p:cNvPicPr>
+          <p:nvPr/>
+        </p:nvPicPr>
+        <p:blipFill>
+          <a:blip r:embed="rId2"/>
+          <a:stretch>
+            <a:fillRect/>
+          </a:stretch>
+        </p:blipFill>
+        <p:spPr>
+          <a:xfrm>
+            <a:off x="1593436" y="2844298"/>
+            <a:ext cx="3381375" cy="3188704"/>
+          </a:xfrm>
+          <a:prstGeom prst="rect">
+            <a:avLst/>
+          </a:prstGeom>
+        </p:spPr>
+      </p:pic>
+      <p:pic>
+        <p:nvPicPr>
+          <p:cNvPr id="7" name="Immagine 6">
+            <a:extLst>
+              <a:ext uri="{FF2B5EF4-FFF2-40B4-BE49-F238E27FC236}">
+                <a16:creationId xmlns:a16="http://schemas.microsoft.com/office/drawing/2014/main" id="{5B555768-515D-406F-B4C1-A474E6B60FE9}"/>
+              </a:ext>
+            </a:extLst>
+          </p:cNvPr>
+          <p:cNvPicPr>
+            <a:picLocks noChangeAspect="1"/>
+          </p:cNvPicPr>
+          <p:nvPr/>
+        </p:nvPicPr>
+        <p:blipFill>
+          <a:blip r:embed="rId3"/>
+          <a:stretch>
+            <a:fillRect/>
+          </a:stretch>
+        </p:blipFill>
+        <p:spPr>
+          <a:xfrm>
+            <a:off x="5230316" y="3379717"/>
+            <a:ext cx="6496050" cy="2117864"/>
+          </a:xfrm>
+          <a:prstGeom prst="rect">
+            <a:avLst/>
+          </a:prstGeom>
+        </p:spPr>
+      </p:pic>
+    </p:spTree>
+    <p:extLst>
+      <p:ext uri="{BB962C8B-B14F-4D97-AF65-F5344CB8AC3E}">
+        <p14:creationId xmlns:p14="http://schemas.microsoft.com/office/powerpoint/2010/main" val="119515245"/>
+      </p:ext>
+    </p:extLst>
+  </p:cSld>
+  <p:clrMapOvr>
+    <a:masterClrMapping/>
+  </p:clrMapOvr>
+  <mc:AlternateContent xmlns:mc="http://schemas.openxmlformats.org/markup-compatibility/2006" xmlns:p14="http://schemas.microsoft.com/office/powerpoint/2010/main">
+    <mc:Choice Requires="p14">
+      <p:transition spd="med" p14:dur="700">
+        <p:fade/>
+      </p:transition>
+    </mc:Choice>
+    <mc:Fallback xmlns="">
+      <p:transition spd="med">
+        <p:fade/>
+      </p:transition>
+    </mc:Fallback>
+  </mc:AlternateContent>
+</p:sld>
+</file>
+
+<file path=ppt/slides/slide12.xml><?xml version="1.0" encoding="utf-8"?>
+<p:sld xmlns:a="http://schemas.openxmlformats.org/drawingml/2006/main" xmlns:r="http://schemas.openxmlformats.org/officeDocument/2006/relationships" xmlns:p="http://schemas.openxmlformats.org/presentationml/2006/main">
+  <p:cSld>
+    <p:spTree>
+      <p:nvGrpSpPr>
+        <p:cNvPr id="1" name=""/>
+        <p:cNvGrpSpPr/>
+        <p:nvPr/>
+      </p:nvGrpSpPr>
+      <p:grpSpPr>
+        <a:xfrm>
+          <a:off x="0" y="0"/>
+          <a:ext cx="0" cy="0"/>
+          <a:chOff x="0" y="0"/>
+          <a:chExt cx="0" cy="0"/>
+        </a:xfrm>
+      </p:grpSpPr>
+      <p:sp>
+        <p:nvSpPr>
+          <p:cNvPr id="2" name="Segnaposto contenuto 1">
+            <a:extLst>
+              <a:ext uri="{FF2B5EF4-FFF2-40B4-BE49-F238E27FC236}">
+                <a16:creationId xmlns:a16="http://schemas.microsoft.com/office/drawing/2014/main" id="{720AE3D2-427B-42F0-9FE5-01BFDB911672}"/>
+              </a:ext>
+            </a:extLst>
+          </p:cNvPr>
+          <p:cNvSpPr>
+            <a:spLocks noGrp="1"/>
+          </p:cNvSpPr>
+          <p:nvPr>
+            <p:ph idx="1"/>
+          </p:nvPr>
+        </p:nvSpPr>
+        <p:spPr/>
+        <p:txBody>
+          <a:bodyPr/>
+          <a:lstStyle/>
+          <a:p>
+            <a:r>
+              <a:rPr lang="it-IT" dirty="0"/>
+              <a:t>L’agente vincitore non riesce a cedere il proprio target e l’asta fallisce</a:t>
+            </a:r>
+          </a:p>
+        </p:txBody>
+      </p:sp>
+      <p:sp>
+        <p:nvSpPr>
+          <p:cNvPr id="3" name="Titolo 2">
+            <a:extLst>
+              <a:ext uri="{FF2B5EF4-FFF2-40B4-BE49-F238E27FC236}">
+                <a16:creationId xmlns:a16="http://schemas.microsoft.com/office/drawing/2014/main" id="{0C348A92-C251-4672-A07C-98DA1989164A}"/>
+              </a:ext>
+            </a:extLst>
+          </p:cNvPr>
+          <p:cNvSpPr>
+            <a:spLocks noGrp="1"/>
+          </p:cNvSpPr>
+          <p:nvPr>
+            <p:ph type="title"/>
+          </p:nvPr>
+        </p:nvSpPr>
+        <p:spPr/>
+        <p:txBody>
+          <a:bodyPr/>
+          <a:lstStyle/>
+          <a:p>
+            <a:r>
+              <a:rPr lang="it-IT" dirty="0"/>
+              <a:t>Casi interessanti - 3</a:t>
+            </a:r>
+          </a:p>
+        </p:txBody>
+      </p:sp>
+      <p:pic>
+        <p:nvPicPr>
+          <p:cNvPr id="5" name="Immagine 4">
+            <a:extLst>
+              <a:ext uri="{FF2B5EF4-FFF2-40B4-BE49-F238E27FC236}">
+                <a16:creationId xmlns:a16="http://schemas.microsoft.com/office/drawing/2014/main" id="{6F24C23D-B962-4CDB-B111-70C72484386D}"/>
+              </a:ext>
+            </a:extLst>
+          </p:cNvPr>
+          <p:cNvPicPr>
+            <a:picLocks noChangeAspect="1"/>
+          </p:cNvPicPr>
+          <p:nvPr/>
+        </p:nvPicPr>
+        <p:blipFill>
+          <a:blip r:embed="rId2"/>
+          <a:stretch>
+            <a:fillRect/>
+          </a:stretch>
+        </p:blipFill>
+        <p:spPr>
+          <a:xfrm>
+            <a:off x="1729301" y="2844298"/>
+            <a:ext cx="3109645" cy="3188704"/>
+          </a:xfrm>
+          <a:prstGeom prst="rect">
+            <a:avLst/>
+          </a:prstGeom>
+        </p:spPr>
+      </p:pic>
+      <p:pic>
+        <p:nvPicPr>
+          <p:cNvPr id="7" name="Immagine 6">
+            <a:extLst>
+              <a:ext uri="{FF2B5EF4-FFF2-40B4-BE49-F238E27FC236}">
+                <a16:creationId xmlns:a16="http://schemas.microsoft.com/office/drawing/2014/main" id="{5B555768-515D-406F-B4C1-A474E6B60FE9}"/>
+              </a:ext>
+            </a:extLst>
+          </p:cNvPr>
+          <p:cNvPicPr>
+            <a:picLocks noChangeAspect="1"/>
+          </p:cNvPicPr>
+          <p:nvPr/>
+        </p:nvPicPr>
+        <p:blipFill>
+          <a:blip r:embed="rId3"/>
+          <a:stretch>
+            <a:fillRect/>
+          </a:stretch>
+        </p:blipFill>
+        <p:spPr>
+          <a:xfrm>
+            <a:off x="5569468" y="3379717"/>
+            <a:ext cx="5817746" cy="2117864"/>
+          </a:xfrm>
+          <a:prstGeom prst="rect">
+            <a:avLst/>
+          </a:prstGeom>
+        </p:spPr>
+      </p:pic>
+    </p:spTree>
+    <p:extLst>
+      <p:ext uri="{BB962C8B-B14F-4D97-AF65-F5344CB8AC3E}">
+        <p14:creationId xmlns:p14="http://schemas.microsoft.com/office/powerpoint/2010/main" val="3621131273"/>
+      </p:ext>
+    </p:extLst>
+  </p:cSld>
+  <p:clrMapOvr>
+    <a:masterClrMapping/>
+  </p:clrMapOvr>
+  <mc:AlternateContent xmlns:mc="http://schemas.openxmlformats.org/markup-compatibility/2006" xmlns:p14="http://schemas.microsoft.com/office/powerpoint/2010/main">
+    <mc:Choice Requires="p14">
+      <p:transition spd="med" p14:dur="700">
+        <p:fade/>
+      </p:transition>
+    </mc:Choice>
+    <mc:Fallback xmlns="">
+      <p:transition spd="med">
+        <p:fade/>
+      </p:transition>
+    </mc:Fallback>
+  </mc:AlternateContent>
+</p:sld>
+</file>
+
+<file path=ppt/slides/slide13.xml><?xml version="1.0" encoding="utf-8"?>
+<p:sld xmlns:a="http://schemas.openxmlformats.org/drawingml/2006/main" xmlns:r="http://schemas.openxmlformats.org/officeDocument/2006/relationships" xmlns:p="http://schemas.openxmlformats.org/presentationml/2006/main">
+  <p:cSld>
+    <p:spTree>
+      <p:nvGrpSpPr>
+        <p:cNvPr id="1" name=""/>
+        <p:cNvGrpSpPr/>
+        <p:nvPr/>
+      </p:nvGrpSpPr>
+      <p:grpSpPr>
+        <a:xfrm>
+          <a:off x="0" y="0"/>
+          <a:ext cx="0" cy="0"/>
+          <a:chOff x="0" y="0"/>
+          <a:chExt cx="0" cy="0"/>
+        </a:xfrm>
+      </p:grpSpPr>
+      <p:sp>
+        <p:nvSpPr>
           <p:cNvPr id="13" name="Titolo 12"/>
           <p:cNvSpPr>
             <a:spLocks noGrp="1"/>
@@ -8175,7 +8575,7 @@
             <a:pPr rtl="0"/>
             <a:r>
               <a:rPr lang="it-IT" dirty="0"/>
-              <a:t>Nel caso in cui un target inizi a camminare lungo le zone in comune a più agenti si manifesta un continuo scambio di target mediante aste</a:t>
+              <a:t>Nel caso in cui un target inizi a camminare lungo le zone in comune a più agenti si manifesta un continuo scambio di target</a:t>
             </a:r>
           </a:p>
           <a:p>
@@ -8189,14 +8589,8 @@
             <a:pPr rtl="0"/>
             <a:r>
               <a:rPr lang="it-IT" dirty="0"/>
-              <a:t>Ciò è causato dagli spazi in comune troppo piccoli</a:t>
-            </a:r>
-          </a:p>
-          <a:p>
-            <a:pPr marL="0" indent="0" rtl="0">
-              <a:buNone/>
-            </a:pPr>
-            <a:endParaRPr lang="it-IT" dirty="0"/>
+              <a:t>Bisognerebbe considerare aree in comune più ampie e/o utilizzare logiche per il riconoscimento della perdita imminente di un target più complesse.</a:t>
+            </a:r>
           </a:p>
         </p:txBody>
       </p:sp>
@@ -8914,7 +9308,7 @@
             <a:pPr rtl="0"/>
             <a:r>
               <a:rPr lang="it-IT" dirty="0"/>
-              <a:t>La console mostra gli aggiornamenti del tracking ogni qual volta un target si sposta</a:t>
+              <a:t>Mostra gli aggiornamenti del tracking ogni qual volta un target si sposta</a:t>
             </a:r>
           </a:p>
           <a:p>
@@ -9061,7 +9455,14 @@
               <a:rPr lang="it-IT" i="1" dirty="0" err="1"/>
               <a:t>sealed-bid</a:t>
             </a:r>
-            <a:endParaRPr lang="it-IT" dirty="0"/>
+            <a:r>
+              <a:rPr lang="it-IT" i="1" dirty="0"/>
+              <a:t> </a:t>
+            </a:r>
+            <a:r>
+              <a:rPr lang="it-IT" dirty="0"/>
+              <a:t>con conferma</a:t>
+            </a:r>
           </a:p>
           <a:p>
             <a:pPr rtl="0"/>
@@ -9170,15 +9571,16 @@
           </p:cNvPicPr>
           <p:nvPr/>
         </p:nvPicPr>
-        <p:blipFill rotWithShape="1">
+        <p:blipFill>
           <a:blip r:embed="rId3"/>
-          <a:srcRect l="3257" t="22238" r="4486" b="11539"/>
-          <a:stretch/>
+          <a:stretch>
+            <a:fillRect/>
+          </a:stretch>
         </p:blipFill>
         <p:spPr>
           <a:xfrm>
-            <a:off x="2349996" y="2675393"/>
-            <a:ext cx="6761594" cy="1369665"/>
+            <a:off x="2412701" y="2492896"/>
+            <a:ext cx="7138095" cy="1699546"/>
           </a:xfrm>
           <a:prstGeom prst="rect">
             <a:avLst/>
@@ -9199,7 +9601,7 @@
         </p:nvSpPr>
         <p:spPr>
           <a:xfrm>
-            <a:off x="3790156" y="2675393"/>
+            <a:off x="3862164" y="2675393"/>
             <a:ext cx="864096" cy="324793"/>
           </a:xfrm>
           <a:prstGeom prst="ellipse">
@@ -9253,7 +9655,7 @@
         </p:nvSpPr>
         <p:spPr>
           <a:xfrm>
-            <a:off x="2494012" y="1723922"/>
+            <a:off x="2494012" y="1484784"/>
             <a:ext cx="4392488" cy="369332"/>
           </a:xfrm>
           <a:prstGeom prst="rect">
@@ -9294,7 +9696,7 @@
         </p:nvCxnSpPr>
         <p:spPr>
           <a:xfrm>
-            <a:off x="4114192" y="2093254"/>
+            <a:off x="3646140" y="1988840"/>
             <a:ext cx="360040" cy="525151"/>
           </a:xfrm>
           <a:prstGeom prst="straightConnector1">
@@ -9336,7 +9738,7 @@
         </p:nvSpPr>
         <p:spPr>
           <a:xfrm>
-            <a:off x="4758764" y="2627920"/>
+            <a:off x="4902780" y="2636912"/>
             <a:ext cx="975608" cy="369332"/>
           </a:xfrm>
           <a:prstGeom prst="ellipse">
@@ -9390,7 +9792,7 @@
         </p:nvSpPr>
         <p:spPr>
           <a:xfrm>
-            <a:off x="6430940" y="2133617"/>
+            <a:off x="4327071" y="1917010"/>
             <a:ext cx="4776320" cy="367610"/>
           </a:xfrm>
           <a:prstGeom prst="rect">
@@ -9431,8 +9833,8 @@
         </p:nvCxnSpPr>
         <p:spPr>
           <a:xfrm flipH="1">
-            <a:off x="5516598" y="2466427"/>
-            <a:ext cx="757835" cy="151221"/>
+            <a:off x="5516599" y="2284620"/>
+            <a:ext cx="217773" cy="333028"/>
           </a:xfrm>
           <a:prstGeom prst="straightConnector1">
             <a:avLst/>
@@ -9473,7 +9875,7 @@
         </p:nvSpPr>
         <p:spPr>
           <a:xfrm>
-            <a:off x="4546240" y="2978444"/>
+            <a:off x="4582244" y="2924944"/>
             <a:ext cx="576064" cy="324793"/>
           </a:xfrm>
           <a:prstGeom prst="ellipse">
@@ -9527,7 +9929,7 @@
         </p:nvSpPr>
         <p:spPr>
           <a:xfrm>
-            <a:off x="5122304" y="4129654"/>
+            <a:off x="5981748" y="3853015"/>
             <a:ext cx="4392488" cy="369332"/>
           </a:xfrm>
           <a:prstGeom prst="rect">
@@ -9568,8 +9970,8 @@
         </p:nvCxnSpPr>
         <p:spPr>
           <a:xfrm flipH="1" flipV="1">
-            <a:off x="5122304" y="3367018"/>
-            <a:ext cx="452770" cy="697282"/>
+            <a:off x="5158308" y="3256428"/>
+            <a:ext cx="823440" cy="595329"/>
           </a:xfrm>
           <a:prstGeom prst="straightConnector1">
             <a:avLst/>
@@ -9653,7 +10055,7 @@
         </p:nvSpPr>
         <p:spPr>
           <a:xfrm>
-            <a:off x="1613822" y="5107705"/>
+            <a:off x="1605401" y="5115060"/>
             <a:ext cx="10202818" cy="1320361"/>
           </a:xfrm>
           <a:prstGeom prst="rect">
@@ -9685,7 +10087,7 @@
                   <a:prstClr val="black"/>
                 </a:solidFill>
               </a:rPr>
-              <a:t>Fra occupati si considerano la vicinanza al nuovo target e lontananza dal precedente tracciato</a:t>
+              <a:t>Fra gli agenti impegnati si considerano la vicinanza al nuovo target e lontananza dal precedente tracciato</a:t>
             </a:r>
           </a:p>
           <a:p>
@@ -9713,36 +10115,175 @@
           </a:p>
         </p:txBody>
       </p:sp>
-      <p:pic>
-        <p:nvPicPr>
-          <p:cNvPr id="2" name="Immagine 1">
+      <p:sp>
+        <p:nvSpPr>
+          <p:cNvPr id="20" name="Ovale 19">
             <a:extLst>
               <a:ext uri="{FF2B5EF4-FFF2-40B4-BE49-F238E27FC236}">
-                <a16:creationId xmlns:a16="http://schemas.microsoft.com/office/drawing/2014/main" id="{ABD07DE4-4EAE-4015-9AE2-FB9760A6288D}"/>
+                <a16:creationId xmlns:a16="http://schemas.microsoft.com/office/drawing/2014/main" id="{CCB536E3-5600-4469-87B3-566FBB5E7586}"/>
               </a:ext>
             </a:extLst>
           </p:cNvPr>
-          <p:cNvPicPr>
-            <a:picLocks noChangeAspect="1"/>
-          </p:cNvPicPr>
+          <p:cNvSpPr/>
           <p:nvPr/>
-        </p:nvPicPr>
-        <p:blipFill>
-          <a:blip r:embed="rId4"/>
-          <a:stretch>
-            <a:fillRect/>
-          </a:stretch>
-        </p:blipFill>
+        </p:nvSpPr>
         <p:spPr>
           <a:xfrm>
-            <a:off x="3610136" y="3631446"/>
-            <a:ext cx="864096" cy="191098"/>
+            <a:off x="5230316" y="3573016"/>
+            <a:ext cx="432048" cy="405006"/>
+          </a:xfrm>
+          <a:prstGeom prst="ellipse">
+            <a:avLst/>
+          </a:prstGeom>
+          <a:noFill/>
+          <a:ln>
+            <a:solidFill>
+              <a:srgbClr val="FF0000"/>
+            </a:solidFill>
+          </a:ln>
+        </p:spPr>
+        <p:style>
+          <a:lnRef idx="2">
+            <a:schemeClr val="accent1">
+              <a:shade val="50000"/>
+            </a:schemeClr>
+          </a:lnRef>
+          <a:fillRef idx="1">
+            <a:schemeClr val="accent1"/>
+          </a:fillRef>
+          <a:effectRef idx="0">
+            <a:schemeClr val="accent1"/>
+          </a:effectRef>
+          <a:fontRef idx="minor">
+            <a:schemeClr val="lt1"/>
+          </a:fontRef>
+        </p:style>
+        <p:txBody>
+          <a:bodyPr rtlCol="0" anchor="ctr"/>
+          <a:lstStyle/>
+          <a:p>
+            <a:pPr algn="ctr"/>
+            <a:endParaRPr lang="it-IT">
+              <a:noFill/>
+            </a:endParaRPr>
+          </a:p>
+        </p:txBody>
+      </p:sp>
+      <p:cxnSp>
+        <p:nvCxnSpPr>
+          <p:cNvPr id="21" name="Connettore 2 20">
+            <a:extLst>
+              <a:ext uri="{FF2B5EF4-FFF2-40B4-BE49-F238E27FC236}">
+                <a16:creationId xmlns:a16="http://schemas.microsoft.com/office/drawing/2014/main" id="{F307BA59-1420-465E-A663-8B8A91B8243E}"/>
+              </a:ext>
+            </a:extLst>
+          </p:cNvPr>
+          <p:cNvCxnSpPr>
+            <a:cxnSpLocks/>
+          </p:cNvCxnSpPr>
+          <p:nvPr/>
+        </p:nvCxnSpPr>
+        <p:spPr>
+          <a:xfrm flipH="1" flipV="1">
+            <a:off x="5660616" y="4005065"/>
+            <a:ext cx="321132" cy="331393"/>
+          </a:xfrm>
+          <a:prstGeom prst="straightConnector1">
+            <a:avLst/>
+          </a:prstGeom>
+          <a:ln>
+            <a:solidFill>
+              <a:srgbClr val="FF0000"/>
+            </a:solidFill>
+            <a:tailEnd type="triangle"/>
+          </a:ln>
+        </p:spPr>
+        <p:style>
+          <a:lnRef idx="1">
+            <a:schemeClr val="accent1"/>
+          </a:lnRef>
+          <a:fillRef idx="0">
+            <a:schemeClr val="accent1"/>
+          </a:fillRef>
+          <a:effectRef idx="0">
+            <a:schemeClr val="accent1"/>
+          </a:effectRef>
+          <a:fontRef idx="minor">
+            <a:schemeClr val="tx1"/>
+          </a:fontRef>
+        </p:style>
+      </p:cxnSp>
+      <p:sp>
+        <p:nvSpPr>
+          <p:cNvPr id="23" name="CasellaDiTesto 22">
+            <a:extLst>
+              <a:ext uri="{FF2B5EF4-FFF2-40B4-BE49-F238E27FC236}">
+                <a16:creationId xmlns:a16="http://schemas.microsoft.com/office/drawing/2014/main" id="{8BFF544B-0A24-4C6A-A0A0-A891AD3A69F2}"/>
+              </a:ext>
+            </a:extLst>
+          </p:cNvPr>
+          <p:cNvSpPr txBox="1"/>
+          <p:nvPr/>
+        </p:nvSpPr>
+        <p:spPr>
+          <a:xfrm>
+            <a:off x="5878388" y="4325407"/>
+            <a:ext cx="4392488" cy="369332"/>
           </a:xfrm>
           <a:prstGeom prst="rect">
             <a:avLst/>
           </a:prstGeom>
-        </p:spPr>
-      </p:pic>
+          <a:noFill/>
+        </p:spPr>
+        <p:txBody>
+          <a:bodyPr wrap="square" rtlCol="0">
+            <a:spAutoFit/>
+          </a:bodyPr>
+          <a:lstStyle/>
+          <a:p>
+            <a:r>
+              <a:rPr lang="it-IT" dirty="0">
+                <a:solidFill>
+                  <a:srgbClr val="FF0000"/>
+                </a:solidFill>
+              </a:rPr>
+              <a:t>Costante maggiore della </a:t>
+            </a:r>
+            <a:r>
+              <a:rPr lang="it-IT" dirty="0" err="1">
+                <a:solidFill>
+                  <a:srgbClr val="FF0000"/>
+                </a:solidFill>
+              </a:rPr>
+              <a:t>max</a:t>
+            </a:r>
+            <a:r>
+              <a:rPr lang="it-IT" dirty="0">
+                <a:solidFill>
+                  <a:srgbClr val="FF0000"/>
+                </a:solidFill>
+              </a:rPr>
+              <a:t> </a:t>
+            </a:r>
+            <a:r>
+              <a:rPr lang="it-IT" dirty="0" err="1">
+                <a:solidFill>
+                  <a:srgbClr val="FF0000"/>
+                </a:solidFill>
+              </a:rPr>
+              <a:t>dist</a:t>
+            </a:r>
+            <a:r>
+              <a:rPr lang="it-IT" dirty="0">
+                <a:solidFill>
+                  <a:srgbClr val="FF0000"/>
+                </a:solidFill>
+              </a:rPr>
+              <a:t>(A, t)</a:t>
+            </a:r>
+          </a:p>
+        </p:txBody>
+      </p:sp>
     </p:spTree>
     <p:extLst>
       <p:ext uri="{BB962C8B-B14F-4D97-AF65-F5344CB8AC3E}">
@@ -9786,7 +10327,7 @@
                             </p:stCondLst>
                             <p:childTnLst>
                               <p:par>
-                                <p:cTn id="5" presetID="6" presetClass="entr" presetSubtype="16" fill="hold" grpId="0" nodeType="clickEffect">
+                                <p:cTn id="5" presetID="21" presetClass="entr" presetSubtype="1" fill="hold" grpId="0" nodeType="clickEffect">
                                   <p:stCondLst>
                                     <p:cond delay="0"/>
                                   </p:stCondLst>
@@ -9809,7 +10350,7 @@
                                         <p:strVal val="visible"/>
                                       </p:to>
                                     </p:set>
-                                    <p:animEffect transition="in" filter="circle(in)">
+                                    <p:animEffect transition="in" filter="wheel(1)">
                                       <p:cBhvr>
                                         <p:cTn id="7" dur="1000"/>
                                         <p:tgtEl>
@@ -9909,7 +10450,7 @@
                             </p:stCondLst>
                             <p:childTnLst>
                               <p:par>
-                                <p:cTn id="16" presetID="6" presetClass="entr" presetSubtype="16" fill="hold" grpId="0" nodeType="clickEffect">
+                                <p:cTn id="16" presetID="21" presetClass="entr" presetSubtype="1" fill="hold" grpId="0" nodeType="clickEffect">
                                   <p:stCondLst>
                                     <p:cond delay="0"/>
                                   </p:stCondLst>
@@ -9932,7 +10473,7 @@
                                         <p:strVal val="visible"/>
                                       </p:to>
                                     </p:set>
-                                    <p:animEffect transition="in" filter="circle(in)">
+                                    <p:animEffect transition="in" filter="wheel(1)">
                                       <p:cBhvr>
                                         <p:cTn id="18" dur="1000"/>
                                         <p:tgtEl>
@@ -10032,7 +10573,7 @@
                             </p:stCondLst>
                             <p:childTnLst>
                               <p:par>
-                                <p:cTn id="27" presetID="6" presetClass="entr" presetSubtype="16" fill="hold" grpId="0" nodeType="clickEffect">
+                                <p:cTn id="27" presetID="21" presetClass="entr" presetSubtype="1" fill="hold" grpId="0" nodeType="clickEffect">
                                   <p:stCondLst>
                                     <p:cond delay="0"/>
                                   </p:stCondLst>
@@ -10055,7 +10596,7 @@
                                         <p:strVal val="visible"/>
                                       </p:to>
                                     </p:set>
-                                    <p:animEffect transition="in" filter="circle(in)">
+                                    <p:animEffect transition="in" filter="wheel(1)">
                                       <p:cBhvr>
                                         <p:cTn id="29" dur="1000"/>
                                         <p:tgtEl>
@@ -10155,7 +10696,7 @@
                             </p:stCondLst>
                             <p:childTnLst>
                               <p:par>
-                                <p:cTn id="38" presetID="2" presetClass="entr" presetSubtype="4" fill="hold" nodeType="clickEffect">
+                                <p:cTn id="38" presetID="21" presetClass="entr" presetSubtype="1" fill="hold" grpId="0" nodeType="clickEffect">
                                   <p:stCondLst>
                                     <p:cond delay="0"/>
                                   </p:stCondLst>
@@ -10163,6 +10704,129 @@
                                     <p:set>
                                       <p:cBhvr>
                                         <p:cTn id="39" dur="1" fill="hold">
+                                          <p:stCondLst>
+                                            <p:cond delay="0"/>
+                                          </p:stCondLst>
+                                        </p:cTn>
+                                        <p:tgtEl>
+                                          <p:spTgt spid="20"/>
+                                        </p:tgtEl>
+                                        <p:attrNameLst>
+                                          <p:attrName>style.visibility</p:attrName>
+                                        </p:attrNameLst>
+                                      </p:cBhvr>
+                                      <p:to>
+                                        <p:strVal val="visible"/>
+                                      </p:to>
+                                    </p:set>
+                                    <p:animEffect transition="in" filter="wheel(1)">
+                                      <p:cBhvr>
+                                        <p:cTn id="40" dur="1000"/>
+                                        <p:tgtEl>
+                                          <p:spTgt spid="20"/>
+                                        </p:tgtEl>
+                                      </p:cBhvr>
+                                    </p:animEffect>
+                                  </p:childTnLst>
+                                </p:cTn>
+                              </p:par>
+                              <p:par>
+                                <p:cTn id="41" presetID="6" presetClass="entr" presetSubtype="16" fill="hold" nodeType="withEffect">
+                                  <p:stCondLst>
+                                    <p:cond delay="0"/>
+                                  </p:stCondLst>
+                                  <p:childTnLst>
+                                    <p:set>
+                                      <p:cBhvr>
+                                        <p:cTn id="42" dur="1" fill="hold">
+                                          <p:stCondLst>
+                                            <p:cond delay="0"/>
+                                          </p:stCondLst>
+                                        </p:cTn>
+                                        <p:tgtEl>
+                                          <p:spTgt spid="21"/>
+                                        </p:tgtEl>
+                                        <p:attrNameLst>
+                                          <p:attrName>style.visibility</p:attrName>
+                                        </p:attrNameLst>
+                                      </p:cBhvr>
+                                      <p:to>
+                                        <p:strVal val="visible"/>
+                                      </p:to>
+                                    </p:set>
+                                    <p:animEffect transition="in" filter="circle(in)">
+                                      <p:cBhvr>
+                                        <p:cTn id="43" dur="1000"/>
+                                        <p:tgtEl>
+                                          <p:spTgt spid="21"/>
+                                        </p:tgtEl>
+                                      </p:cBhvr>
+                                    </p:animEffect>
+                                  </p:childTnLst>
+                                </p:cTn>
+                              </p:par>
+                              <p:par>
+                                <p:cTn id="44" presetID="6" presetClass="entr" presetSubtype="16" fill="hold" grpId="0" nodeType="withEffect">
+                                  <p:stCondLst>
+                                    <p:cond delay="0"/>
+                                  </p:stCondLst>
+                                  <p:childTnLst>
+                                    <p:set>
+                                      <p:cBhvr>
+                                        <p:cTn id="45" dur="1" fill="hold">
+                                          <p:stCondLst>
+                                            <p:cond delay="0"/>
+                                          </p:stCondLst>
+                                        </p:cTn>
+                                        <p:tgtEl>
+                                          <p:spTgt spid="23"/>
+                                        </p:tgtEl>
+                                        <p:attrNameLst>
+                                          <p:attrName>style.visibility</p:attrName>
+                                        </p:attrNameLst>
+                                      </p:cBhvr>
+                                      <p:to>
+                                        <p:strVal val="visible"/>
+                                      </p:to>
+                                    </p:set>
+                                    <p:animEffect transition="in" filter="circle(in)">
+                                      <p:cBhvr>
+                                        <p:cTn id="46" dur="1000"/>
+                                        <p:tgtEl>
+                                          <p:spTgt spid="23"/>
+                                        </p:tgtEl>
+                                      </p:cBhvr>
+                                    </p:animEffect>
+                                  </p:childTnLst>
+                                </p:cTn>
+                              </p:par>
+                            </p:childTnLst>
+                          </p:cTn>
+                        </p:par>
+                      </p:childTnLst>
+                    </p:cTn>
+                  </p:par>
+                  <p:par>
+                    <p:cTn id="47" fill="hold">
+                      <p:stCondLst>
+                        <p:cond delay="indefinite"/>
+                      </p:stCondLst>
+                      <p:childTnLst>
+                        <p:par>
+                          <p:cTn id="48" fill="hold">
+                            <p:stCondLst>
+                              <p:cond delay="0"/>
+                            </p:stCondLst>
+                            <p:childTnLst>
+                              <p:par>
+                                <p:cTn id="49" presetID="2" presetClass="entr" presetSubtype="4" fill="hold" nodeType="clickEffect">
+                                  <p:stCondLst>
+                                    <p:cond delay="0"/>
+                                  </p:stCondLst>
+                                  <p:childTnLst>
+                                    <p:set>
+                                      <p:cBhvr>
+                                        <p:cTn id="50" dur="1" fill="hold">
                                           <p:stCondLst>
                                             <p:cond delay="0"/>
                                           </p:stCondLst>
@@ -10184,7 +10848,7 @@
                                     </p:set>
                                     <p:anim calcmode="lin" valueType="num">
                                       <p:cBhvr additive="base">
-                                        <p:cTn id="40" dur="500" fill="hold"/>
+                                        <p:cTn id="51" dur="500" fill="hold"/>
                                         <p:tgtEl>
                                           <p:spTgt spid="30">
                                             <p:txEl>
@@ -10211,7 +10875,7 @@
                                     </p:anim>
                                     <p:anim calcmode="lin" valueType="num">
                                       <p:cBhvr additive="base">
-                                        <p:cTn id="41" dur="500" fill="hold"/>
+                                        <p:cTn id="52" dur="500" fill="hold"/>
                                         <p:tgtEl>
                                           <p:spTgt spid="30">
                                             <p:txEl>
@@ -10240,14 +10904,14 @@
                                 </p:cTn>
                               </p:par>
                               <p:par>
-                                <p:cTn id="42" presetID="2" presetClass="entr" presetSubtype="4" fill="hold" nodeType="withEffect">
+                                <p:cTn id="53" presetID="2" presetClass="entr" presetSubtype="4" fill="hold" nodeType="withEffect">
                                   <p:stCondLst>
                                     <p:cond delay="0"/>
                                   </p:stCondLst>
                                   <p:childTnLst>
                                     <p:set>
                                       <p:cBhvr>
-                                        <p:cTn id="43" dur="1" fill="hold">
+                                        <p:cTn id="54" dur="1" fill="hold">
                                           <p:stCondLst>
                                             <p:cond delay="0"/>
                                           </p:stCondLst>
@@ -10269,7 +10933,7 @@
                                     </p:set>
                                     <p:anim calcmode="lin" valueType="num">
                                       <p:cBhvr additive="base">
-                                        <p:cTn id="44" dur="500" fill="hold"/>
+                                        <p:cTn id="55" dur="500" fill="hold"/>
                                         <p:tgtEl>
                                           <p:spTgt spid="30">
                                             <p:txEl>
@@ -10296,7 +10960,7 @@
                                     </p:anim>
                                     <p:anim calcmode="lin" valueType="num">
                                       <p:cBhvr additive="base">
-                                        <p:cTn id="45" dur="500" fill="hold"/>
+                                        <p:cTn id="56" dur="500" fill="hold"/>
                                         <p:tgtEl>
                                           <p:spTgt spid="30">
                                             <p:txEl>
@@ -10331,26 +10995,26 @@
                     </p:cTn>
                   </p:par>
                   <p:par>
-                    <p:cTn id="46" fill="hold">
+                    <p:cTn id="57" fill="hold">
                       <p:stCondLst>
                         <p:cond delay="indefinite"/>
                       </p:stCondLst>
                       <p:childTnLst>
                         <p:par>
-                          <p:cTn id="47" fill="hold">
+                          <p:cTn id="58" fill="hold">
                             <p:stCondLst>
                               <p:cond delay="0"/>
                             </p:stCondLst>
                             <p:childTnLst>
                               <p:par>
-                                <p:cTn id="48" presetID="2" presetClass="exit" presetSubtype="4" fill="hold" nodeType="clickEffect">
+                                <p:cTn id="59" presetID="2" presetClass="exit" presetSubtype="4" fill="hold" nodeType="clickEffect">
                                   <p:stCondLst>
                                     <p:cond delay="0"/>
                                   </p:stCondLst>
                                   <p:childTnLst>
                                     <p:anim calcmode="lin" valueType="num">
                                       <p:cBhvr additive="base">
-                                        <p:cTn id="49" dur="500"/>
+                                        <p:cTn id="60" dur="500"/>
                                         <p:tgtEl>
                                           <p:spTgt spid="30">
                                             <p:txEl>
@@ -10377,7 +11041,7 @@
                                     </p:anim>
                                     <p:anim calcmode="lin" valueType="num">
                                       <p:cBhvr additive="base">
-                                        <p:cTn id="50" dur="500"/>
+                                        <p:cTn id="61" dur="500"/>
                                         <p:tgtEl>
                                           <p:spTgt spid="30">
                                             <p:txEl>
@@ -10404,7 +11068,7 @@
                                     </p:anim>
                                     <p:set>
                                       <p:cBhvr>
-                                        <p:cTn id="51" dur="1" fill="hold">
+                                        <p:cTn id="62" dur="1" fill="hold">
                                           <p:stCondLst>
                                             <p:cond delay="499"/>
                                           </p:stCondLst>
@@ -10428,14 +11092,14 @@
                                 </p:cTn>
                               </p:par>
                               <p:par>
-                                <p:cTn id="52" presetID="2" presetClass="exit" presetSubtype="4" fill="hold" nodeType="withEffect">
+                                <p:cTn id="63" presetID="2" presetClass="exit" presetSubtype="4" fill="hold" nodeType="withEffect">
                                   <p:stCondLst>
                                     <p:cond delay="0"/>
                                   </p:stCondLst>
                                   <p:childTnLst>
                                     <p:anim calcmode="lin" valueType="num">
                                       <p:cBhvr additive="base">
-                                        <p:cTn id="53" dur="500"/>
+                                        <p:cTn id="64" dur="500"/>
                                         <p:tgtEl>
                                           <p:spTgt spid="30">
                                             <p:txEl>
@@ -10462,7 +11126,7 @@
                                     </p:anim>
                                     <p:anim calcmode="lin" valueType="num">
                                       <p:cBhvr additive="base">
-                                        <p:cTn id="54" dur="500"/>
+                                        <p:cTn id="65" dur="500"/>
                                         <p:tgtEl>
                                           <p:spTgt spid="30">
                                             <p:txEl>
@@ -10489,7 +11153,7 @@
                                     </p:anim>
                                     <p:set>
                                       <p:cBhvr>
-                                        <p:cTn id="55" dur="1" fill="hold">
+                                        <p:cTn id="66" dur="1" fill="hold">
                                           <p:stCondLst>
                                             <p:cond delay="499"/>
                                           </p:stCondLst>
@@ -10516,20 +11180,20 @@
                           </p:cTn>
                         </p:par>
                         <p:par>
-                          <p:cTn id="56" fill="hold">
+                          <p:cTn id="67" fill="hold">
                             <p:stCondLst>
                               <p:cond delay="500"/>
                             </p:stCondLst>
                             <p:childTnLst>
                               <p:par>
-                                <p:cTn id="57" presetID="2" presetClass="entr" presetSubtype="4" fill="hold" nodeType="afterEffect">
+                                <p:cTn id="68" presetID="2" presetClass="entr" presetSubtype="4" fill="hold" nodeType="afterEffect">
                                   <p:stCondLst>
                                     <p:cond delay="0"/>
                                   </p:stCondLst>
                                   <p:childTnLst>
                                     <p:set>
                                       <p:cBhvr>
-                                        <p:cTn id="58" dur="1" fill="hold">
+                                        <p:cTn id="69" dur="1" fill="hold">
                                           <p:stCondLst>
                                             <p:cond delay="0"/>
                                           </p:stCondLst>
@@ -10551,7 +11215,7 @@
                                     </p:set>
                                     <p:anim calcmode="lin" valueType="num">
                                       <p:cBhvr additive="base">
-                                        <p:cTn id="59" dur="500" fill="hold"/>
+                                        <p:cTn id="70" dur="500" fill="hold"/>
                                         <p:tgtEl>
                                           <p:spTgt spid="36">
                                             <p:txEl>
@@ -10578,7 +11242,7 @@
                                     </p:anim>
                                     <p:anim calcmode="lin" valueType="num">
                                       <p:cBhvr additive="base">
-                                        <p:cTn id="60" dur="500" fill="hold"/>
+                                        <p:cTn id="71" dur="500" fill="hold"/>
                                         <p:tgtEl>
                                           <p:spTgt spid="36">
                                             <p:txEl>
@@ -10607,14 +11271,14 @@
                                 </p:cTn>
                               </p:par>
                               <p:par>
-                                <p:cTn id="61" presetID="2" presetClass="entr" presetSubtype="4" fill="hold" nodeType="withEffect">
+                                <p:cTn id="72" presetID="2" presetClass="entr" presetSubtype="4" fill="hold" nodeType="withEffect">
                                   <p:stCondLst>
                                     <p:cond delay="0"/>
                                   </p:stCondLst>
                                   <p:childTnLst>
                                     <p:set>
                                       <p:cBhvr>
-                                        <p:cTn id="62" dur="1" fill="hold">
+                                        <p:cTn id="73" dur="1" fill="hold">
                                           <p:stCondLst>
                                             <p:cond delay="0"/>
                                           </p:stCondLst>
@@ -10636,7 +11300,7 @@
                                     </p:set>
                                     <p:anim calcmode="lin" valueType="num">
                                       <p:cBhvr additive="base">
-                                        <p:cTn id="63" dur="500" fill="hold"/>
+                                        <p:cTn id="74" dur="500" fill="hold"/>
                                         <p:tgtEl>
                                           <p:spTgt spid="36">
                                             <p:txEl>
@@ -10663,7 +11327,7 @@
                                     </p:anim>
                                     <p:anim calcmode="lin" valueType="num">
                                       <p:cBhvr additive="base">
-                                        <p:cTn id="64" dur="500" fill="hold"/>
+                                        <p:cTn id="75" dur="500" fill="hold"/>
                                         <p:tgtEl>
                                           <p:spTgt spid="36">
                                             <p:txEl>
@@ -10688,194 +11352,6 @@
                                         </p:tav>
                                       </p:tavLst>
                                     </p:anim>
-                                  </p:childTnLst>
-                                </p:cTn>
-                              </p:par>
-                            </p:childTnLst>
-                          </p:cTn>
-                        </p:par>
-                      </p:childTnLst>
-                    </p:cTn>
-                  </p:par>
-                  <p:par>
-                    <p:cTn id="65" fill="hold">
-                      <p:stCondLst>
-                        <p:cond delay="indefinite"/>
-                      </p:stCondLst>
-                      <p:childTnLst>
-                        <p:par>
-                          <p:cTn id="66" fill="hold">
-                            <p:stCondLst>
-                              <p:cond delay="0"/>
-                            </p:stCondLst>
-                            <p:childTnLst>
-                              <p:par>
-                                <p:cTn id="67" presetID="2" presetClass="exit" presetSubtype="4" fill="hold" grpId="0" nodeType="clickEffect">
-                                  <p:stCondLst>
-                                    <p:cond delay="0"/>
-                                  </p:stCondLst>
-                                  <p:childTnLst>
-                                    <p:anim calcmode="lin" valueType="num">
-                                      <p:cBhvr additive="base">
-                                        <p:cTn id="68" dur="500"/>
-                                        <p:tgtEl>
-                                          <p:spTgt spid="36">
-                                            <p:txEl>
-                                              <p:pRg st="0" end="0"/>
-                                            </p:txEl>
-                                          </p:spTgt>
-                                        </p:tgtEl>
-                                        <p:attrNameLst>
-                                          <p:attrName>ppt_x</p:attrName>
-                                        </p:attrNameLst>
-                                      </p:cBhvr>
-                                      <p:tavLst>
-                                        <p:tav tm="0">
-                                          <p:val>
-                                            <p:strVal val="ppt_x"/>
-                                          </p:val>
-                                        </p:tav>
-                                        <p:tav tm="100000">
-                                          <p:val>
-                                            <p:strVal val="ppt_x"/>
-                                          </p:val>
-                                        </p:tav>
-                                      </p:tavLst>
-                                    </p:anim>
-                                    <p:anim calcmode="lin" valueType="num">
-                                      <p:cBhvr additive="base">
-                                        <p:cTn id="69" dur="500"/>
-                                        <p:tgtEl>
-                                          <p:spTgt spid="36">
-                                            <p:txEl>
-                                              <p:pRg st="0" end="0"/>
-                                            </p:txEl>
-                                          </p:spTgt>
-                                        </p:tgtEl>
-                                        <p:attrNameLst>
-                                          <p:attrName>ppt_y</p:attrName>
-                                        </p:attrNameLst>
-                                      </p:cBhvr>
-                                      <p:tavLst>
-                                        <p:tav tm="0">
-                                          <p:val>
-                                            <p:strVal val="ppt_y"/>
-                                          </p:val>
-                                        </p:tav>
-                                        <p:tav tm="100000">
-                                          <p:val>
-                                            <p:strVal val="1+ppt_h/2"/>
-                                          </p:val>
-                                        </p:tav>
-                                      </p:tavLst>
-                                    </p:anim>
-                                    <p:set>
-                                      <p:cBhvr>
-                                        <p:cTn id="70" dur="1" fill="hold">
-                                          <p:stCondLst>
-                                            <p:cond delay="499"/>
-                                          </p:stCondLst>
-                                        </p:cTn>
-                                        <p:tgtEl>
-                                          <p:spTgt spid="36">
-                                            <p:txEl>
-                                              <p:pRg st="0" end="0"/>
-                                            </p:txEl>
-                                          </p:spTgt>
-                                        </p:tgtEl>
-                                        <p:attrNameLst>
-                                          <p:attrName>style.visibility</p:attrName>
-                                        </p:attrNameLst>
-                                      </p:cBhvr>
-                                      <p:to>
-                                        <p:strVal val="hidden"/>
-                                      </p:to>
-                                    </p:set>
-                                  </p:childTnLst>
-                                </p:cTn>
-                              </p:par>
-                              <p:par>
-                                <p:cTn id="71" presetID="2" presetClass="exit" presetSubtype="4" fill="hold" grpId="0" nodeType="withEffect">
-                                  <p:stCondLst>
-                                    <p:cond delay="0"/>
-                                  </p:stCondLst>
-                                  <p:childTnLst>
-                                    <p:anim calcmode="lin" valueType="num">
-                                      <p:cBhvr additive="base">
-                                        <p:cTn id="72" dur="500"/>
-                                        <p:tgtEl>
-                                          <p:spTgt spid="36">
-                                            <p:txEl>
-                                              <p:pRg st="1" end="1"/>
-                                            </p:txEl>
-                                          </p:spTgt>
-                                        </p:tgtEl>
-                                        <p:attrNameLst>
-                                          <p:attrName>ppt_x</p:attrName>
-                                        </p:attrNameLst>
-                                      </p:cBhvr>
-                                      <p:tavLst>
-                                        <p:tav tm="0">
-                                          <p:val>
-                                            <p:strVal val="ppt_x"/>
-                                          </p:val>
-                                        </p:tav>
-                                        <p:tav tm="100000">
-                                          <p:val>
-                                            <p:strVal val="ppt_x"/>
-                                          </p:val>
-                                        </p:tav>
-                                      </p:tavLst>
-                                    </p:anim>
-                                    <p:anim calcmode="lin" valueType="num">
-                                      <p:cBhvr additive="base">
-                                        <p:cTn id="73" dur="500"/>
-                                        <p:tgtEl>
-                                          <p:spTgt spid="36">
-                                            <p:txEl>
-                                              <p:pRg st="1" end="1"/>
-                                            </p:txEl>
-                                          </p:spTgt>
-                                        </p:tgtEl>
-                                        <p:attrNameLst>
-                                          <p:attrName>ppt_y</p:attrName>
-                                        </p:attrNameLst>
-                                      </p:cBhvr>
-                                      <p:tavLst>
-                                        <p:tav tm="0">
-                                          <p:val>
-                                            <p:strVal val="ppt_y"/>
-                                          </p:val>
-                                        </p:tav>
-                                        <p:tav tm="100000">
-                                          <p:val>
-                                            <p:strVal val="1+ppt_h/2"/>
-                                          </p:val>
-                                        </p:tav>
-                                      </p:tavLst>
-                                    </p:anim>
-                                    <p:set>
-                                      <p:cBhvr>
-                                        <p:cTn id="74" dur="1" fill="hold">
-                                          <p:stCondLst>
-                                            <p:cond delay="499"/>
-                                          </p:stCondLst>
-                                        </p:cTn>
-                                        <p:tgtEl>
-                                          <p:spTgt spid="36">
-                                            <p:txEl>
-                                              <p:pRg st="1" end="1"/>
-                                            </p:txEl>
-                                          </p:spTgt>
-                                        </p:tgtEl>
-                                        <p:attrNameLst>
-                                          <p:attrName>style.visibility</p:attrName>
-                                        </p:attrNameLst>
-                                      </p:cBhvr>
-                                      <p:to>
-                                        <p:strVal val="hidden"/>
-                                      </p:to>
-                                    </p:set>
                                   </p:childTnLst>
                                 </p:cTn>
                               </p:par>
@@ -10913,7 +11389,8 @@
       <p:bldP spid="15" grpId="0"/>
       <p:bldP spid="17" grpId="0" animBg="1"/>
       <p:bldP spid="18" grpId="0"/>
-      <p:bldP spid="36" grpId="0" build="allAtOnce"/>
+      <p:bldP spid="20" grpId="0" animBg="1"/>
+      <p:bldP spid="23" grpId="0"/>
     </p:bldLst>
   </p:timing>
 </p:sld>
@@ -10976,18 +11453,49 @@
         </p:nvSpPr>
         <p:spPr>
           <a:xfrm>
-            <a:off x="1485900" y="1484784"/>
-            <a:ext cx="4489737" cy="5074391"/>
+            <a:off x="1485900" y="2132856"/>
+            <a:ext cx="4489737" cy="4426319"/>
           </a:xfrm>
         </p:spPr>
         <p:txBody>
           <a:bodyPr rtlCol="0"/>
           <a:lstStyle/>
           <a:p>
-            <a:pPr marL="0" indent="0" rtl="0">
-              <a:buNone/>
-            </a:pPr>
+            <a:r>
+              <a:rPr lang="it-IT" dirty="0"/>
+              <a:t>Call for </a:t>
+            </a:r>
+            <a:r>
+              <a:rPr lang="it-IT" dirty="0" err="1"/>
+              <a:t>Proposal</a:t>
+            </a:r>
             <a:endParaRPr lang="it-IT" dirty="0"/>
+          </a:p>
+          <a:p>
+            <a:r>
+              <a:rPr lang="it-IT" dirty="0"/>
+              <a:t>Puntata</a:t>
+            </a:r>
+          </a:p>
+          <a:p>
+            <a:r>
+              <a:rPr lang="it-IT" dirty="0"/>
+              <a:t>Richiesta conferma</a:t>
+            </a:r>
+          </a:p>
+          <a:p>
+            <a:pPr lvl="1"/>
+            <a:r>
+              <a:rPr lang="it-IT" dirty="0"/>
+              <a:t>Conferma immediata</a:t>
+            </a:r>
+          </a:p>
+          <a:p>
+            <a:pPr lvl="1"/>
+            <a:r>
+              <a:rPr lang="it-IT" dirty="0"/>
+              <a:t>Asta ricorsiva</a:t>
+            </a:r>
           </a:p>
         </p:txBody>
       </p:sp>
@@ -11064,7 +11572,47 @@
       </p:grpSpPr>
       <p:sp>
         <p:nvSpPr>
-          <p:cNvPr id="13" name="Titolo 12"/>
+          <p:cNvPr id="2" name="Segnaposto contenuto 1">
+            <a:extLst>
+              <a:ext uri="{FF2B5EF4-FFF2-40B4-BE49-F238E27FC236}">
+                <a16:creationId xmlns:a16="http://schemas.microsoft.com/office/drawing/2014/main" id="{DA447926-7953-40F9-B1EF-BC91C71B4336}"/>
+              </a:ext>
+            </a:extLst>
+          </p:cNvPr>
+          <p:cNvSpPr>
+            <a:spLocks noGrp="1"/>
+          </p:cNvSpPr>
+          <p:nvPr>
+            <p:ph idx="1"/>
+          </p:nvPr>
+        </p:nvSpPr>
+        <p:spPr/>
+        <p:txBody>
+          <a:bodyPr/>
+          <a:lstStyle/>
+          <a:p>
+            <a:r>
+              <a:rPr lang="it-IT" dirty="0"/>
+              <a:t>Numero di target fissato a priori</a:t>
+            </a:r>
+          </a:p>
+          <a:p>
+            <a:r>
+              <a:rPr lang="it-IT" dirty="0"/>
+              <a:t>Simulazioni della durata di 5 minuti</a:t>
+            </a:r>
+          </a:p>
+        </p:txBody>
+      </p:sp>
+      <p:sp>
+        <p:nvSpPr>
+          <p:cNvPr id="3" name="Titolo 2">
+            <a:extLst>
+              <a:ext uri="{FF2B5EF4-FFF2-40B4-BE49-F238E27FC236}">
+                <a16:creationId xmlns:a16="http://schemas.microsoft.com/office/drawing/2014/main" id="{D4DFB8FF-84A7-44AD-A85C-798880A759D0}"/>
+              </a:ext>
+            </a:extLst>
+          </p:cNvPr>
           <p:cNvSpPr>
             <a:spLocks noGrp="1"/>
           </p:cNvSpPr>
@@ -11072,47 +11620,40 @@
             <p:ph type="title"/>
           </p:nvPr>
         </p:nvSpPr>
-        <p:spPr>
-          <a:xfrm>
-            <a:off x="1593436" y="177800"/>
-            <a:ext cx="9782801" cy="1239837"/>
-          </a:xfrm>
-        </p:spPr>
-        <p:txBody>
-          <a:bodyPr rtlCol="0"/>
+        <p:spPr/>
+        <p:txBody>
+          <a:bodyPr/>
           <a:lstStyle/>
           <a:p>
-            <a:pPr rtl="0"/>
             <a:r>
               <a:rPr lang="it-IT" dirty="0"/>
-              <a:t>Risultati</a:t>
+              <a:t>Raccolta Risultati</a:t>
             </a:r>
           </a:p>
         </p:txBody>
       </p:sp>
       <p:graphicFrame>
         <p:nvGraphicFramePr>
-          <p:cNvPr id="2" name="Segnaposto contenuto 1">
+          <p:cNvPr id="4" name="Segnaposto contenuto 1">
             <a:extLst>
               <a:ext uri="{FF2B5EF4-FFF2-40B4-BE49-F238E27FC236}">
-                <a16:creationId xmlns:a16="http://schemas.microsoft.com/office/drawing/2014/main" id="{19CBB42E-AC88-49BB-BD21-C44682D90691}"/>
+                <a16:creationId xmlns:a16="http://schemas.microsoft.com/office/drawing/2014/main" id="{321156B8-9F5D-4048-8AA7-55B82C2B45C7}"/>
               </a:ext>
             </a:extLst>
           </p:cNvPr>
           <p:cNvGraphicFramePr>
-            <a:graphicFrameLocks noGrp="1"/>
+            <a:graphicFrameLocks/>
           </p:cNvGraphicFramePr>
           <p:nvPr>
-            <p:ph idx="1"/>
             <p:extLst>
               <p:ext uri="{D42A27DB-BD31-4B8C-83A1-F6EECF244321}">
-                <p14:modId xmlns:p14="http://schemas.microsoft.com/office/powerpoint/2010/main" val="3715973305"/>
+                <p14:modId xmlns:p14="http://schemas.microsoft.com/office/powerpoint/2010/main" val="1266712161"/>
               </p:ext>
             </p:extLst>
           </p:nvPr>
         </p:nvGraphicFramePr>
         <p:xfrm>
-          <a:off x="1593850" y="1600200"/>
+          <a:off x="1593850" y="3717032"/>
           <a:ext cx="9782176" cy="2225040"/>
         </p:xfrm>
         <a:graphic>
@@ -11516,10 +12057,9 @@
                     <a:p>
                       <a:pPr algn="ctr"/>
                       <a:r>
-                        <a:rPr lang="it-IT"/>
+                        <a:rPr lang="it-IT" dirty="0"/>
                         <a:t>145</a:t>
                       </a:r>
-                      <a:endParaRPr lang="it-IT" dirty="0"/>
                     </a:p>
                   </a:txBody>
                   <a:tcPr/>
@@ -11537,7 +12077,7 @@
     </p:spTree>
     <p:extLst>
       <p:ext uri="{BB962C8B-B14F-4D97-AF65-F5344CB8AC3E}">
-        <p14:creationId xmlns:p14="http://schemas.microsoft.com/office/powerpoint/2010/main" val="4164825279"/>
+        <p14:creationId xmlns:p14="http://schemas.microsoft.com/office/powerpoint/2010/main" val="2222335798"/>
       </p:ext>
     </p:extLst>
   </p:cSld>

--- a/Presentazione MAS/Presentazione MAS.pptx
+++ b/Presentazione MAS/Presentazione MAS.pptx
@@ -8449,8 +8449,8 @@
         </p:blipFill>
         <p:spPr>
           <a:xfrm>
-            <a:off x="1729301" y="2844298"/>
-            <a:ext cx="3109645" cy="3188704"/>
+            <a:off x="1593437" y="2852936"/>
+            <a:ext cx="3348848" cy="3433989"/>
           </a:xfrm>
           <a:prstGeom prst="rect">
             <a:avLst/>
@@ -8479,8 +8479,8 @@
         </p:blipFill>
         <p:spPr>
           <a:xfrm>
-            <a:off x="5569468" y="3379717"/>
-            <a:ext cx="5817746" cy="2117864"/>
+            <a:off x="5230317" y="3374047"/>
+            <a:ext cx="6480720" cy="2359209"/>
           </a:xfrm>
           <a:prstGeom prst="rect">
             <a:avLst/>

--- a/Presentazione MAS/Presentazione MAS.pptx
+++ b/Presentazione MAS/Presentazione MAS.pptx
@@ -244,7 +244,7 @@
             <a:pPr rtl="0"/>
             <a:fld id="{23AEF8A9-CFB5-40C0-BAE2-5B4633EC9F63}" type="datetime1">
               <a:rPr lang="it-IT" smtClean="0"/>
-              <a:t>18/09/2018</a:t>
+              <a:t>19/09/2018</a:t>
             </a:fld>
             <a:endParaRPr lang="it-IT" dirty="0"/>
           </a:p>
@@ -421,7 +421,7 @@
             <a:fld id="{09F431D3-F76B-41A6-8072-4F6D884C46F8}" type="datetime1">
               <a:rPr lang="it-IT" smtClean="0"/>
               <a:pPr/>
-              <a:t>18/09/2018</a:t>
+              <a:t>19/09/2018</a:t>
             </a:fld>
             <a:endParaRPr lang="it-IT" dirty="0"/>
           </a:p>
@@ -2068,7 +2068,7 @@
           <a:p>
             <a:fld id="{FE00C66D-72EC-4F55-BEC8-500A85C081B3}" type="datetime1">
               <a:rPr lang="it-IT" smtClean="0"/>
-              <a:t>18/09/2018</a:t>
+              <a:t>19/09/2018</a:t>
             </a:fld>
             <a:endParaRPr lang="it-IT" dirty="0"/>
           </a:p>
@@ -2341,7 +2341,7 @@
           <a:p>
             <a:fld id="{179FDD90-8460-47A7-A040-CF9AB50248A0}" type="datetime1">
               <a:rPr lang="it-IT" smtClean="0"/>
-              <a:t>18/09/2018</a:t>
+              <a:t>19/09/2018</a:t>
             </a:fld>
             <a:endParaRPr lang="it-IT" dirty="0"/>
           </a:p>
@@ -3168,7 +3168,7 @@
           <a:p>
             <a:fld id="{C35C6EAA-EB31-44A8-9C8F-5624F8F22B6E}" type="datetime1">
               <a:rPr lang="it-IT" smtClean="0"/>
-              <a:t>18/09/2018</a:t>
+              <a:t>19/09/2018</a:t>
             </a:fld>
             <a:endParaRPr lang="it-IT" dirty="0"/>
           </a:p>
@@ -4617,7 +4617,7 @@
           <a:p>
             <a:fld id="{508B2D1E-DF59-4334-A58E-8DEAA289E0E3}" type="datetime1">
               <a:rPr lang="it-IT" smtClean="0"/>
-              <a:t>18/09/2018</a:t>
+              <a:t>19/09/2018</a:t>
             </a:fld>
             <a:endParaRPr lang="it-IT" dirty="0"/>
           </a:p>
@@ -4950,7 +4950,7 @@
           <a:p>
             <a:fld id="{A34FAF5A-4D19-43B1-A45D-8D72A2F8F704}" type="datetime1">
               <a:rPr lang="it-IT" smtClean="0"/>
-              <a:t>18/09/2018</a:t>
+              <a:t>19/09/2018</a:t>
             </a:fld>
             <a:endParaRPr lang="it-IT" dirty="0"/>
           </a:p>
@@ -5409,7 +5409,7 @@
           <a:p>
             <a:fld id="{67C3AB17-3636-4D0B-9DE8-A264915F3F2F}" type="datetime1">
               <a:rPr lang="it-IT" smtClean="0"/>
-              <a:t>18/09/2018</a:t>
+              <a:t>19/09/2018</a:t>
             </a:fld>
             <a:endParaRPr lang="it-IT" dirty="0"/>
           </a:p>
@@ -5550,7 +5550,7 @@
           <a:p>
             <a:fld id="{48D20E2B-0105-405D-B96A-D58D2B631809}" type="datetime1">
               <a:rPr lang="it-IT" smtClean="0"/>
-              <a:t>18/09/2018</a:t>
+              <a:t>19/09/2018</a:t>
             </a:fld>
             <a:endParaRPr lang="it-IT" dirty="0"/>
           </a:p>
@@ -5895,7 +5895,7 @@
           <a:p>
             <a:fld id="{784E50A8-D6B4-4E55-B346-C613EC2AD65E}" type="datetime1">
               <a:rPr lang="it-IT" smtClean="0"/>
-              <a:t>18/09/2018</a:t>
+              <a:t>19/09/2018</a:t>
             </a:fld>
             <a:endParaRPr lang="it-IT" dirty="0"/>
           </a:p>
@@ -6398,7 +6398,7 @@
           <a:p>
             <a:fld id="{FBEB48ED-4E8D-4666-ADC1-9C8D79C0B922}" type="datetime1">
               <a:rPr lang="it-IT" smtClean="0"/>
-              <a:t>18/09/2018</a:t>
+              <a:t>19/09/2018</a:t>
             </a:fld>
             <a:endParaRPr lang="it-IT" dirty="0"/>
           </a:p>
@@ -6854,7 +6854,7 @@
           <a:p>
             <a:fld id="{365EC329-2963-4C84-96E5-2A1FA59F8646}" type="datetime1">
               <a:rPr lang="it-IT" smtClean="0"/>
-              <a:t>18/09/2018</a:t>
+              <a:t>19/09/2018</a:t>
             </a:fld>
             <a:endParaRPr lang="it-IT" dirty="0"/>
           </a:p>
@@ -7432,7 +7432,7 @@
           <a:p>
             <a:fld id="{99CE1268-C6CD-45A8-AABD-978440FDBD0C}" type="datetime1">
               <a:rPr lang="it-IT" smtClean="0"/>
-              <a:t>18/09/2018</a:t>
+              <a:t>19/09/2018</a:t>
             </a:fld>
             <a:endParaRPr lang="it-IT" dirty="0"/>
           </a:p>
@@ -8106,7 +8106,7 @@
           <a:p>
             <a:r>
               <a:rPr lang="it-IT" dirty="0"/>
-              <a:t>Casi interessanti - 1</a:t>
+              <a:t>Casi Interessanti - 1</a:t>
             </a:r>
           </a:p>
         </p:txBody>
@@ -8264,7 +8264,7 @@
           <a:p>
             <a:r>
               <a:rPr lang="it-IT" dirty="0"/>
-              <a:t>Casi interessanti - 2</a:t>
+              <a:t>Casi Interessanti - 2</a:t>
             </a:r>
           </a:p>
         </p:txBody>
@@ -8422,7 +8422,7 @@
           <a:p>
             <a:r>
               <a:rPr lang="it-IT" dirty="0"/>
-              <a:t>Casi interessanti - 3</a:t>
+              <a:t>Casi Interessanti - 3</a:t>
             </a:r>
           </a:p>
         </p:txBody>
@@ -8449,8 +8449,8 @@
         </p:blipFill>
         <p:spPr>
           <a:xfrm>
-            <a:off x="1593437" y="2852936"/>
-            <a:ext cx="3348848" cy="3433989"/>
+            <a:off x="1729301" y="2844298"/>
+            <a:ext cx="3109645" cy="3188704"/>
           </a:xfrm>
           <a:prstGeom prst="rect">
             <a:avLst/>
@@ -8479,8 +8479,8 @@
         </p:blipFill>
         <p:spPr>
           <a:xfrm>
-            <a:off x="5230317" y="3374047"/>
-            <a:ext cx="6480720" cy="2359209"/>
+            <a:off x="5569468" y="3379717"/>
+            <a:ext cx="5817746" cy="2117864"/>
           </a:xfrm>
           <a:prstGeom prst="rect">
             <a:avLst/>
@@ -8552,7 +8552,7 @@
             <a:pPr rtl="0"/>
             <a:r>
               <a:rPr lang="it-IT" dirty="0"/>
-              <a:t>Problematiche evidenziate</a:t>
+              <a:t>Problematiche Evidenziate</a:t>
             </a:r>
           </a:p>
         </p:txBody>
@@ -8680,6 +8680,10 @@
           <a:lstStyle/>
           <a:p>
             <a:pPr rtl="0"/>
+            <a:endParaRPr lang="it-IT" dirty="0"/>
+          </a:p>
+          <a:p>
+            <a:pPr rtl="0"/>
             <a:r>
               <a:rPr lang="it-IT" dirty="0"/>
               <a:t>Creazione di un sistema ad agenti per il tracking di target mobili in ambiente chiuso</a:t>
@@ -8807,8 +8811,8 @@
         </p:blipFill>
         <p:spPr bwMode="auto">
           <a:xfrm flipH="1">
-            <a:off x="1773932" y="4185084"/>
-            <a:ext cx="1836680" cy="1836680"/>
+            <a:off x="1773932" y="4076121"/>
+            <a:ext cx="1729143" cy="1729143"/>
           </a:xfrm>
           <a:prstGeom prst="rect">
             <a:avLst/>
@@ -8854,8 +8858,8 @@
         </p:blipFill>
         <p:spPr bwMode="auto">
           <a:xfrm>
-            <a:off x="1485900" y="1719910"/>
-            <a:ext cx="1836680" cy="1955052"/>
+            <a:off x="1593436" y="1834376"/>
+            <a:ext cx="1729144" cy="1840585"/>
           </a:xfrm>
           <a:prstGeom prst="rect">
             <a:avLst/>
@@ -9128,7 +9132,7 @@
             <a:pPr rtl="0"/>
             <a:r>
               <a:rPr lang="it-IT" dirty="0"/>
-              <a:t>L’interfaccia </a:t>
+              <a:t>Interfaccia Grafica </a:t>
             </a:r>
           </a:p>
         </p:txBody>
@@ -9278,7 +9282,7 @@
             <a:pPr rtl="0"/>
             <a:r>
               <a:rPr lang="it-IT" dirty="0"/>
-              <a:t>La Console di Output</a:t>
+              <a:t>Console di Output</a:t>
             </a:r>
           </a:p>
         </p:txBody>
@@ -9415,7 +9419,7 @@
             <a:pPr rtl="0"/>
             <a:r>
               <a:rPr lang="it-IT" dirty="0"/>
-              <a:t>Passaggio dei target tra agenti</a:t>
+              <a:t>Passaggio dei Target tra Agenti</a:t>
             </a:r>
           </a:p>
         </p:txBody>
@@ -9552,7 +9556,15 @@
             <a:pPr rtl="0"/>
             <a:r>
               <a:rPr lang="it-IT" dirty="0"/>
-              <a:t>Passaggio dei target tra agenti</a:t>
+              <a:t>Funzione ‘</a:t>
+            </a:r>
+            <a:r>
+              <a:rPr lang="it-IT" dirty="0" err="1"/>
+              <a:t>bid</a:t>
+            </a:r>
+            <a:r>
+              <a:rPr lang="it-IT" dirty="0"/>
+              <a:t>’</a:t>
             </a:r>
           </a:p>
         </p:txBody>
@@ -10087,7 +10099,7 @@
                   <a:prstClr val="black"/>
                 </a:solidFill>
               </a:rPr>
-              <a:t>Fra gli agenti impegnati si considerano la vicinanza al nuovo target e lontananza dal precedente tracciato</a:t>
+              <a:t>Fra gli agenti impegnati si considerano la vicinanza al nuovo target e lontananza dal target precedente tracciato</a:t>
             </a:r>
           </a:p>
           <a:p>
@@ -11436,7 +11448,7 @@
             <a:pPr rtl="0"/>
             <a:r>
               <a:rPr lang="it-IT" dirty="0"/>
-              <a:t>Protocollo d’asta</a:t>
+              <a:t>Protocollo d’Asta</a:t>
             </a:r>
           </a:p>
         </p:txBody>
@@ -11591,10 +11603,7 @@
           <a:bodyPr/>
           <a:lstStyle/>
           <a:p>
-            <a:r>
-              <a:rPr lang="it-IT" dirty="0"/>
-              <a:t>Numero di target fissato a priori</a:t>
-            </a:r>
+            <a:endParaRPr lang="it-IT" dirty="0"/>
           </a:p>
           <a:p>
             <a:r>
@@ -11647,13 +11656,13 @@
           <p:nvPr>
             <p:extLst>
               <p:ext uri="{D42A27DB-BD31-4B8C-83A1-F6EECF244321}">
-                <p14:modId xmlns:p14="http://schemas.microsoft.com/office/powerpoint/2010/main" val="1266712161"/>
+                <p14:modId xmlns:p14="http://schemas.microsoft.com/office/powerpoint/2010/main" val="2216303847"/>
               </p:ext>
             </p:extLst>
           </p:nvPr>
         </p:nvGraphicFramePr>
         <p:xfrm>
-          <a:off x="1593850" y="3717032"/>
+          <a:off x="1593850" y="3212976"/>
           <a:ext cx="9782176" cy="2225040"/>
         </p:xfrm>
         <a:graphic>

--- a/Presentazione MAS/Presentazione MAS.pptx
+++ b/Presentazione MAS/Presentazione MAS.pptx
@@ -244,7 +244,7 @@
             <a:pPr rtl="0"/>
             <a:fld id="{23AEF8A9-CFB5-40C0-BAE2-5B4633EC9F63}" type="datetime1">
               <a:rPr lang="it-IT" smtClean="0"/>
-              <a:t>19/09/2018</a:t>
+              <a:t>20/09/2018</a:t>
             </a:fld>
             <a:endParaRPr lang="it-IT" dirty="0"/>
           </a:p>
@@ -421,7 +421,7 @@
             <a:fld id="{09F431D3-F76B-41A6-8072-4F6D884C46F8}" type="datetime1">
               <a:rPr lang="it-IT" smtClean="0"/>
               <a:pPr/>
-              <a:t>19/09/2018</a:t>
+              <a:t>20/09/2018</a:t>
             </a:fld>
             <a:endParaRPr lang="it-IT" dirty="0"/>
           </a:p>
@@ -2068,7 +2068,7 @@
           <a:p>
             <a:fld id="{FE00C66D-72EC-4F55-BEC8-500A85C081B3}" type="datetime1">
               <a:rPr lang="it-IT" smtClean="0"/>
-              <a:t>19/09/2018</a:t>
+              <a:t>20/09/2018</a:t>
             </a:fld>
             <a:endParaRPr lang="it-IT" dirty="0"/>
           </a:p>
@@ -2341,7 +2341,7 @@
           <a:p>
             <a:fld id="{179FDD90-8460-47A7-A040-CF9AB50248A0}" type="datetime1">
               <a:rPr lang="it-IT" smtClean="0"/>
-              <a:t>19/09/2018</a:t>
+              <a:t>20/09/2018</a:t>
             </a:fld>
             <a:endParaRPr lang="it-IT" dirty="0"/>
           </a:p>
@@ -3168,7 +3168,7 @@
           <a:p>
             <a:fld id="{C35C6EAA-EB31-44A8-9C8F-5624F8F22B6E}" type="datetime1">
               <a:rPr lang="it-IT" smtClean="0"/>
-              <a:t>19/09/2018</a:t>
+              <a:t>20/09/2018</a:t>
             </a:fld>
             <a:endParaRPr lang="it-IT" dirty="0"/>
           </a:p>
@@ -4617,7 +4617,7 @@
           <a:p>
             <a:fld id="{508B2D1E-DF59-4334-A58E-8DEAA289E0E3}" type="datetime1">
               <a:rPr lang="it-IT" smtClean="0"/>
-              <a:t>19/09/2018</a:t>
+              <a:t>20/09/2018</a:t>
             </a:fld>
             <a:endParaRPr lang="it-IT" dirty="0"/>
           </a:p>
@@ -4950,7 +4950,7 @@
           <a:p>
             <a:fld id="{A34FAF5A-4D19-43B1-A45D-8D72A2F8F704}" type="datetime1">
               <a:rPr lang="it-IT" smtClean="0"/>
-              <a:t>19/09/2018</a:t>
+              <a:t>20/09/2018</a:t>
             </a:fld>
             <a:endParaRPr lang="it-IT" dirty="0"/>
           </a:p>
@@ -5409,7 +5409,7 @@
           <a:p>
             <a:fld id="{67C3AB17-3636-4D0B-9DE8-A264915F3F2F}" type="datetime1">
               <a:rPr lang="it-IT" smtClean="0"/>
-              <a:t>19/09/2018</a:t>
+              <a:t>20/09/2018</a:t>
             </a:fld>
             <a:endParaRPr lang="it-IT" dirty="0"/>
           </a:p>
@@ -5550,7 +5550,7 @@
           <a:p>
             <a:fld id="{48D20E2B-0105-405D-B96A-D58D2B631809}" type="datetime1">
               <a:rPr lang="it-IT" smtClean="0"/>
-              <a:t>19/09/2018</a:t>
+              <a:t>20/09/2018</a:t>
             </a:fld>
             <a:endParaRPr lang="it-IT" dirty="0"/>
           </a:p>
@@ -5895,7 +5895,7 @@
           <a:p>
             <a:fld id="{784E50A8-D6B4-4E55-B346-C613EC2AD65E}" type="datetime1">
               <a:rPr lang="it-IT" smtClean="0"/>
-              <a:t>19/09/2018</a:t>
+              <a:t>20/09/2018</a:t>
             </a:fld>
             <a:endParaRPr lang="it-IT" dirty="0"/>
           </a:p>
@@ -6398,7 +6398,7 @@
           <a:p>
             <a:fld id="{FBEB48ED-4E8D-4666-ADC1-9C8D79C0B922}" type="datetime1">
               <a:rPr lang="it-IT" smtClean="0"/>
-              <a:t>19/09/2018</a:t>
+              <a:t>20/09/2018</a:t>
             </a:fld>
             <a:endParaRPr lang="it-IT" dirty="0"/>
           </a:p>
@@ -6854,7 +6854,7 @@
           <a:p>
             <a:fld id="{365EC329-2963-4C84-96E5-2A1FA59F8646}" type="datetime1">
               <a:rPr lang="it-IT" smtClean="0"/>
-              <a:t>19/09/2018</a:t>
+              <a:t>20/09/2018</a:t>
             </a:fld>
             <a:endParaRPr lang="it-IT" dirty="0"/>
           </a:p>
@@ -7432,7 +7432,7 @@
           <a:p>
             <a:fld id="{99CE1268-C6CD-45A8-AABD-978440FDBD0C}" type="datetime1">
               <a:rPr lang="it-IT" smtClean="0"/>
-              <a:t>19/09/2018</a:t>
+              <a:t>20/09/2018</a:t>
             </a:fld>
             <a:endParaRPr lang="it-IT" dirty="0"/>
           </a:p>
@@ -8171,6 +8171,300 @@
           </a:prstGeom>
         </p:spPr>
       </p:pic>
+      <p:cxnSp>
+        <p:nvCxnSpPr>
+          <p:cNvPr id="9" name="Connettore diritto 8"/>
+          <p:cNvCxnSpPr/>
+          <p:nvPr/>
+        </p:nvCxnSpPr>
+        <p:spPr>
+          <a:xfrm flipH="1" flipV="1">
+            <a:off x="2242542" y="3319462"/>
+            <a:ext cx="360040" cy="864096"/>
+          </a:xfrm>
+          <a:prstGeom prst="line">
+            <a:avLst/>
+          </a:prstGeom>
+          <a:ln w="28575"/>
+        </p:spPr>
+        <p:style>
+          <a:lnRef idx="1">
+            <a:schemeClr val="accent2"/>
+          </a:lnRef>
+          <a:fillRef idx="0">
+            <a:schemeClr val="accent2"/>
+          </a:fillRef>
+          <a:effectRef idx="0">
+            <a:schemeClr val="accent2"/>
+          </a:effectRef>
+          <a:fontRef idx="minor">
+            <a:schemeClr val="tx1"/>
+          </a:fontRef>
+        </p:style>
+      </p:cxnSp>
+      <p:cxnSp>
+        <p:nvCxnSpPr>
+          <p:cNvPr id="13" name="Connettore diritto 12"/>
+          <p:cNvCxnSpPr/>
+          <p:nvPr/>
+        </p:nvCxnSpPr>
+        <p:spPr>
+          <a:xfrm flipH="1">
+            <a:off x="2242542" y="5373216"/>
+            <a:ext cx="899542" cy="184621"/>
+          </a:xfrm>
+          <a:prstGeom prst="line">
+            <a:avLst/>
+          </a:prstGeom>
+          <a:ln w="28575"/>
+        </p:spPr>
+        <p:style>
+          <a:lnRef idx="1">
+            <a:schemeClr val="accent2"/>
+          </a:lnRef>
+          <a:fillRef idx="0">
+            <a:schemeClr val="accent2"/>
+          </a:fillRef>
+          <a:effectRef idx="0">
+            <a:schemeClr val="accent2"/>
+          </a:effectRef>
+          <a:fontRef idx="minor">
+            <a:schemeClr val="tx1"/>
+          </a:fontRef>
+        </p:style>
+      </p:cxnSp>
+      <p:cxnSp>
+        <p:nvCxnSpPr>
+          <p:cNvPr id="18" name="Connettore diritto 17"/>
+          <p:cNvCxnSpPr/>
+          <p:nvPr/>
+        </p:nvCxnSpPr>
+        <p:spPr>
+          <a:xfrm flipH="1" flipV="1">
+            <a:off x="4222204" y="4653136"/>
+            <a:ext cx="216024" cy="935570"/>
+          </a:xfrm>
+          <a:prstGeom prst="line">
+            <a:avLst/>
+          </a:prstGeom>
+          <a:ln w="28575"/>
+        </p:spPr>
+        <p:style>
+          <a:lnRef idx="1">
+            <a:schemeClr val="accent2"/>
+          </a:lnRef>
+          <a:fillRef idx="0">
+            <a:schemeClr val="accent2"/>
+          </a:fillRef>
+          <a:effectRef idx="0">
+            <a:schemeClr val="accent2"/>
+          </a:effectRef>
+          <a:fontRef idx="minor">
+            <a:schemeClr val="tx1"/>
+          </a:fontRef>
+        </p:style>
+      </p:cxnSp>
+      <p:cxnSp>
+        <p:nvCxnSpPr>
+          <p:cNvPr id="20" name="Connettore diritto 19"/>
+          <p:cNvCxnSpPr/>
+          <p:nvPr/>
+        </p:nvCxnSpPr>
+        <p:spPr>
+          <a:xfrm flipH="1">
+            <a:off x="3466120" y="3319462"/>
+            <a:ext cx="828092" cy="432048"/>
+          </a:xfrm>
+          <a:prstGeom prst="line">
+            <a:avLst/>
+          </a:prstGeom>
+          <a:ln w="28575"/>
+        </p:spPr>
+        <p:style>
+          <a:lnRef idx="1">
+            <a:schemeClr val="accent2"/>
+          </a:lnRef>
+          <a:fillRef idx="0">
+            <a:schemeClr val="accent2"/>
+          </a:fillRef>
+          <a:effectRef idx="0">
+            <a:schemeClr val="accent2"/>
+          </a:effectRef>
+          <a:fontRef idx="minor">
+            <a:schemeClr val="tx1"/>
+          </a:fontRef>
+        </p:style>
+      </p:cxnSp>
+      <p:sp>
+        <p:nvSpPr>
+          <p:cNvPr id="24" name="Rettangolo 23"/>
+          <p:cNvSpPr/>
+          <p:nvPr/>
+        </p:nvSpPr>
+        <p:spPr>
+          <a:xfrm>
+            <a:off x="5158308" y="4438649"/>
+            <a:ext cx="6552728" cy="1366615"/>
+          </a:xfrm>
+          <a:prstGeom prst="rect">
+            <a:avLst/>
+          </a:prstGeom>
+          <a:solidFill>
+            <a:schemeClr val="bg1"/>
+          </a:solidFill>
+          <a:ln>
+            <a:noFill/>
+          </a:ln>
+        </p:spPr>
+        <p:style>
+          <a:lnRef idx="2">
+            <a:schemeClr val="accent1">
+              <a:shade val="50000"/>
+            </a:schemeClr>
+          </a:lnRef>
+          <a:fillRef idx="1">
+            <a:schemeClr val="accent1"/>
+          </a:fillRef>
+          <a:effectRef idx="0">
+            <a:schemeClr val="accent1"/>
+          </a:effectRef>
+          <a:fontRef idx="minor">
+            <a:schemeClr val="lt1"/>
+          </a:fontRef>
+        </p:style>
+        <p:txBody>
+          <a:bodyPr rtlCol="0" anchor="ctr"/>
+          <a:lstStyle/>
+          <a:p>
+            <a:pPr algn="ctr"/>
+            <a:endParaRPr lang="it-IT"/>
+          </a:p>
+        </p:txBody>
+      </p:sp>
+      <p:cxnSp>
+        <p:nvCxnSpPr>
+          <p:cNvPr id="25" name="Connettore diritto 24"/>
+          <p:cNvCxnSpPr/>
+          <p:nvPr/>
+        </p:nvCxnSpPr>
+        <p:spPr>
+          <a:xfrm flipH="1">
+            <a:off x="2227212" y="4653136"/>
+            <a:ext cx="375370" cy="868200"/>
+          </a:xfrm>
+          <a:prstGeom prst="line">
+            <a:avLst/>
+          </a:prstGeom>
+          <a:ln w="28575"/>
+        </p:spPr>
+        <p:style>
+          <a:lnRef idx="1">
+            <a:schemeClr val="accent2"/>
+          </a:lnRef>
+          <a:fillRef idx="0">
+            <a:schemeClr val="accent2"/>
+          </a:fillRef>
+          <a:effectRef idx="0">
+            <a:schemeClr val="accent2"/>
+          </a:effectRef>
+          <a:fontRef idx="minor">
+            <a:schemeClr val="tx1"/>
+          </a:fontRef>
+        </p:style>
+      </p:cxnSp>
+      <p:cxnSp>
+        <p:nvCxnSpPr>
+          <p:cNvPr id="27" name="Connettore diritto 26"/>
+          <p:cNvCxnSpPr/>
+          <p:nvPr/>
+        </p:nvCxnSpPr>
+        <p:spPr>
+          <a:xfrm flipH="1" flipV="1">
+            <a:off x="2256905" y="3319462"/>
+            <a:ext cx="859086" cy="432048"/>
+          </a:xfrm>
+          <a:prstGeom prst="line">
+            <a:avLst/>
+          </a:prstGeom>
+          <a:ln w="28575"/>
+        </p:spPr>
+        <p:style>
+          <a:lnRef idx="1">
+            <a:schemeClr val="accent2"/>
+          </a:lnRef>
+          <a:fillRef idx="0">
+            <a:schemeClr val="accent2"/>
+          </a:fillRef>
+          <a:effectRef idx="0">
+            <a:schemeClr val="accent2"/>
+          </a:effectRef>
+          <a:fontRef idx="minor">
+            <a:schemeClr val="tx1"/>
+          </a:fontRef>
+        </p:style>
+      </p:cxnSp>
+      <p:cxnSp>
+        <p:nvCxnSpPr>
+          <p:cNvPr id="29" name="Connettore diritto 28"/>
+          <p:cNvCxnSpPr/>
+          <p:nvPr/>
+        </p:nvCxnSpPr>
+        <p:spPr>
+          <a:xfrm flipH="1">
+            <a:off x="4220466" y="3365673"/>
+            <a:ext cx="217762" cy="817885"/>
+          </a:xfrm>
+          <a:prstGeom prst="line">
+            <a:avLst/>
+          </a:prstGeom>
+          <a:ln w="28575"/>
+        </p:spPr>
+        <p:style>
+          <a:lnRef idx="1">
+            <a:schemeClr val="accent2"/>
+          </a:lnRef>
+          <a:fillRef idx="0">
+            <a:schemeClr val="accent2"/>
+          </a:fillRef>
+          <a:effectRef idx="0">
+            <a:schemeClr val="accent2"/>
+          </a:effectRef>
+          <a:fontRef idx="minor">
+            <a:schemeClr val="tx1"/>
+          </a:fontRef>
+        </p:style>
+      </p:cxnSp>
+      <p:cxnSp>
+        <p:nvCxnSpPr>
+          <p:cNvPr id="32" name="Connettore diritto 31"/>
+          <p:cNvCxnSpPr/>
+          <p:nvPr/>
+        </p:nvCxnSpPr>
+        <p:spPr>
+          <a:xfrm flipH="1" flipV="1">
+            <a:off x="3397589" y="5390926"/>
+            <a:ext cx="931758" cy="197780"/>
+          </a:xfrm>
+          <a:prstGeom prst="line">
+            <a:avLst/>
+          </a:prstGeom>
+          <a:ln w="28575"/>
+        </p:spPr>
+        <p:style>
+          <a:lnRef idx="1">
+            <a:schemeClr val="accent2"/>
+          </a:lnRef>
+          <a:fillRef idx="0">
+            <a:schemeClr val="accent2"/>
+          </a:fillRef>
+          <a:effectRef idx="0">
+            <a:schemeClr val="accent2"/>
+          </a:effectRef>
+          <a:fontRef idx="minor">
+            <a:schemeClr val="tx1"/>
+          </a:fontRef>
+        </p:style>
+      </p:cxnSp>
     </p:spTree>
     <p:extLst>
       <p:ext uri="{BB962C8B-B14F-4D97-AF65-F5344CB8AC3E}">
@@ -8193,6 +8487,427 @@
       </p:transition>
     </mc:Fallback>
   </mc:AlternateContent>
+  <p:timing>
+    <p:tnLst>
+      <p:par>
+        <p:cTn id="1" dur="indefinite" restart="never" nodeType="tmRoot">
+          <p:childTnLst>
+            <p:seq concurrent="1" nextAc="seek">
+              <p:cTn id="2" dur="indefinite" nodeType="mainSeq">
+                <p:childTnLst>
+                  <p:par>
+                    <p:cTn id="3" fill="hold">
+                      <p:stCondLst>
+                        <p:cond delay="indefinite"/>
+                      </p:stCondLst>
+                      <p:childTnLst>
+                        <p:par>
+                          <p:cTn id="4" fill="hold">
+                            <p:stCondLst>
+                              <p:cond delay="0"/>
+                            </p:stCondLst>
+                            <p:childTnLst>
+                              <p:par>
+                                <p:cTn id="5" presetID="10" presetClass="exit" presetSubtype="0" fill="hold" nodeType="clickEffect">
+                                  <p:stCondLst>
+                                    <p:cond delay="0"/>
+                                  </p:stCondLst>
+                                  <p:childTnLst>
+                                    <p:animEffect transition="out" filter="fade">
+                                      <p:cBhvr>
+                                        <p:cTn id="6" dur="750"/>
+                                        <p:tgtEl>
+                                          <p:spTgt spid="9"/>
+                                        </p:tgtEl>
+                                      </p:cBhvr>
+                                    </p:animEffect>
+                                    <p:set>
+                                      <p:cBhvr>
+                                        <p:cTn id="7" dur="1" fill="hold">
+                                          <p:stCondLst>
+                                            <p:cond delay="749"/>
+                                          </p:stCondLst>
+                                        </p:cTn>
+                                        <p:tgtEl>
+                                          <p:spTgt spid="9"/>
+                                        </p:tgtEl>
+                                        <p:attrNameLst>
+                                          <p:attrName>style.visibility</p:attrName>
+                                        </p:attrNameLst>
+                                      </p:cBhvr>
+                                      <p:to>
+                                        <p:strVal val="hidden"/>
+                                      </p:to>
+                                    </p:set>
+                                  </p:childTnLst>
+                                </p:cTn>
+                              </p:par>
+                              <p:par>
+                                <p:cTn id="8" presetID="10" presetClass="exit" presetSubtype="0" fill="hold" nodeType="withEffect">
+                                  <p:stCondLst>
+                                    <p:cond delay="0"/>
+                                  </p:stCondLst>
+                                  <p:childTnLst>
+                                    <p:animEffect transition="out" filter="fade">
+                                      <p:cBhvr>
+                                        <p:cTn id="9" dur="750"/>
+                                        <p:tgtEl>
+                                          <p:spTgt spid="20"/>
+                                        </p:tgtEl>
+                                      </p:cBhvr>
+                                    </p:animEffect>
+                                    <p:set>
+                                      <p:cBhvr>
+                                        <p:cTn id="10" dur="1" fill="hold">
+                                          <p:stCondLst>
+                                            <p:cond delay="749"/>
+                                          </p:stCondLst>
+                                        </p:cTn>
+                                        <p:tgtEl>
+                                          <p:spTgt spid="20"/>
+                                        </p:tgtEl>
+                                        <p:attrNameLst>
+                                          <p:attrName>style.visibility</p:attrName>
+                                        </p:attrNameLst>
+                                      </p:cBhvr>
+                                      <p:to>
+                                        <p:strVal val="hidden"/>
+                                      </p:to>
+                                    </p:set>
+                                  </p:childTnLst>
+                                </p:cTn>
+                              </p:par>
+                              <p:par>
+                                <p:cTn id="11" presetID="10" presetClass="exit" presetSubtype="0" fill="hold" nodeType="withEffect">
+                                  <p:stCondLst>
+                                    <p:cond delay="0"/>
+                                  </p:stCondLst>
+                                  <p:childTnLst>
+                                    <p:animEffect transition="out" filter="fade">
+                                      <p:cBhvr>
+                                        <p:cTn id="12" dur="750"/>
+                                        <p:tgtEl>
+                                          <p:spTgt spid="13"/>
+                                        </p:tgtEl>
+                                      </p:cBhvr>
+                                    </p:animEffect>
+                                    <p:set>
+                                      <p:cBhvr>
+                                        <p:cTn id="13" dur="1" fill="hold">
+                                          <p:stCondLst>
+                                            <p:cond delay="749"/>
+                                          </p:stCondLst>
+                                        </p:cTn>
+                                        <p:tgtEl>
+                                          <p:spTgt spid="13"/>
+                                        </p:tgtEl>
+                                        <p:attrNameLst>
+                                          <p:attrName>style.visibility</p:attrName>
+                                        </p:attrNameLst>
+                                      </p:cBhvr>
+                                      <p:to>
+                                        <p:strVal val="hidden"/>
+                                      </p:to>
+                                    </p:set>
+                                  </p:childTnLst>
+                                </p:cTn>
+                              </p:par>
+                              <p:par>
+                                <p:cTn id="14" presetID="10" presetClass="exit" presetSubtype="0" fill="hold" nodeType="withEffect">
+                                  <p:stCondLst>
+                                    <p:cond delay="0"/>
+                                  </p:stCondLst>
+                                  <p:childTnLst>
+                                    <p:animEffect transition="out" filter="fade">
+                                      <p:cBhvr>
+                                        <p:cTn id="15" dur="750"/>
+                                        <p:tgtEl>
+                                          <p:spTgt spid="18"/>
+                                        </p:tgtEl>
+                                      </p:cBhvr>
+                                    </p:animEffect>
+                                    <p:set>
+                                      <p:cBhvr>
+                                        <p:cTn id="16" dur="1" fill="hold">
+                                          <p:stCondLst>
+                                            <p:cond delay="749"/>
+                                          </p:stCondLst>
+                                        </p:cTn>
+                                        <p:tgtEl>
+                                          <p:spTgt spid="18"/>
+                                        </p:tgtEl>
+                                        <p:attrNameLst>
+                                          <p:attrName>style.visibility</p:attrName>
+                                        </p:attrNameLst>
+                                      </p:cBhvr>
+                                      <p:to>
+                                        <p:strVal val="hidden"/>
+                                      </p:to>
+                                    </p:set>
+                                  </p:childTnLst>
+                                </p:cTn>
+                              </p:par>
+                            </p:childTnLst>
+                          </p:cTn>
+                        </p:par>
+                        <p:par>
+                          <p:cTn id="17" fill="hold">
+                            <p:stCondLst>
+                              <p:cond delay="750"/>
+                            </p:stCondLst>
+                            <p:childTnLst>
+                              <p:par>
+                                <p:cTn id="18" presetID="42" presetClass="exit" presetSubtype="0" fill="hold" grpId="0" nodeType="afterEffect">
+                                  <p:stCondLst>
+                                    <p:cond delay="50"/>
+                                  </p:stCondLst>
+                                  <p:childTnLst>
+                                    <p:animEffect transition="out" filter="fade">
+                                      <p:cBhvr>
+                                        <p:cTn id="19" dur="500"/>
+                                        <p:tgtEl>
+                                          <p:spTgt spid="24"/>
+                                        </p:tgtEl>
+                                      </p:cBhvr>
+                                    </p:animEffect>
+                                    <p:anim calcmode="lin" valueType="num">
+                                      <p:cBhvr>
+                                        <p:cTn id="20" dur="500"/>
+                                        <p:tgtEl>
+                                          <p:spTgt spid="24"/>
+                                        </p:tgtEl>
+                                        <p:attrNameLst>
+                                          <p:attrName>ppt_x</p:attrName>
+                                        </p:attrNameLst>
+                                      </p:cBhvr>
+                                      <p:tavLst>
+                                        <p:tav tm="0">
+                                          <p:val>
+                                            <p:strVal val="ppt_x"/>
+                                          </p:val>
+                                        </p:tav>
+                                        <p:tav tm="100000">
+                                          <p:val>
+                                            <p:strVal val="ppt_x"/>
+                                          </p:val>
+                                        </p:tav>
+                                      </p:tavLst>
+                                    </p:anim>
+                                    <p:anim calcmode="lin" valueType="num">
+                                      <p:cBhvr>
+                                        <p:cTn id="21" dur="500"/>
+                                        <p:tgtEl>
+                                          <p:spTgt spid="24"/>
+                                        </p:tgtEl>
+                                        <p:attrNameLst>
+                                          <p:attrName>ppt_y</p:attrName>
+                                        </p:attrNameLst>
+                                      </p:cBhvr>
+                                      <p:tavLst>
+                                        <p:tav tm="0">
+                                          <p:val>
+                                            <p:strVal val="ppt_y"/>
+                                          </p:val>
+                                        </p:tav>
+                                        <p:tav tm="100000">
+                                          <p:val>
+                                            <p:strVal val="ppt_y+.1"/>
+                                          </p:val>
+                                        </p:tav>
+                                      </p:tavLst>
+                                    </p:anim>
+                                    <p:set>
+                                      <p:cBhvr>
+                                        <p:cTn id="22" dur="1" fill="hold">
+                                          <p:stCondLst>
+                                            <p:cond delay="499"/>
+                                          </p:stCondLst>
+                                        </p:cTn>
+                                        <p:tgtEl>
+                                          <p:spTgt spid="24"/>
+                                        </p:tgtEl>
+                                        <p:attrNameLst>
+                                          <p:attrName>style.visibility</p:attrName>
+                                        </p:attrNameLst>
+                                      </p:cBhvr>
+                                      <p:to>
+                                        <p:strVal val="hidden"/>
+                                      </p:to>
+                                    </p:set>
+                                  </p:childTnLst>
+                                </p:cTn>
+                              </p:par>
+                              <p:par>
+                                <p:cTn id="23" presetID="10" presetClass="entr" presetSubtype="0" fill="hold" nodeType="withEffect">
+                                  <p:stCondLst>
+                                    <p:cond delay="0"/>
+                                  </p:stCondLst>
+                                  <p:childTnLst>
+                                    <p:set>
+                                      <p:cBhvr>
+                                        <p:cTn id="24" dur="1" fill="hold">
+                                          <p:stCondLst>
+                                            <p:cond delay="0"/>
+                                          </p:stCondLst>
+                                        </p:cTn>
+                                        <p:tgtEl>
+                                          <p:spTgt spid="25"/>
+                                        </p:tgtEl>
+                                        <p:attrNameLst>
+                                          <p:attrName>style.visibility</p:attrName>
+                                        </p:attrNameLst>
+                                      </p:cBhvr>
+                                      <p:to>
+                                        <p:strVal val="visible"/>
+                                      </p:to>
+                                    </p:set>
+                                    <p:animEffect transition="in" filter="fade">
+                                      <p:cBhvr>
+                                        <p:cTn id="25" dur="500"/>
+                                        <p:tgtEl>
+                                          <p:spTgt spid="25"/>
+                                        </p:tgtEl>
+                                      </p:cBhvr>
+                                    </p:animEffect>
+                                  </p:childTnLst>
+                                </p:cTn>
+                              </p:par>
+                              <p:par>
+                                <p:cTn id="26" presetID="10" presetClass="entr" presetSubtype="0" fill="hold" nodeType="withEffect">
+                                  <p:stCondLst>
+                                    <p:cond delay="0"/>
+                                  </p:stCondLst>
+                                  <p:childTnLst>
+                                    <p:set>
+                                      <p:cBhvr>
+                                        <p:cTn id="27" dur="1" fill="hold">
+                                          <p:stCondLst>
+                                            <p:cond delay="0"/>
+                                          </p:stCondLst>
+                                        </p:cTn>
+                                        <p:tgtEl>
+                                          <p:spTgt spid="27"/>
+                                        </p:tgtEl>
+                                        <p:attrNameLst>
+                                          <p:attrName>style.visibility</p:attrName>
+                                        </p:attrNameLst>
+                                      </p:cBhvr>
+                                      <p:to>
+                                        <p:strVal val="visible"/>
+                                      </p:to>
+                                    </p:set>
+                                    <p:animEffect transition="in" filter="fade">
+                                      <p:cBhvr>
+                                        <p:cTn id="28" dur="500"/>
+                                        <p:tgtEl>
+                                          <p:spTgt spid="27"/>
+                                        </p:tgtEl>
+                                      </p:cBhvr>
+                                    </p:animEffect>
+                                  </p:childTnLst>
+                                </p:cTn>
+                              </p:par>
+                              <p:par>
+                                <p:cTn id="29" presetID="10" presetClass="entr" presetSubtype="0" fill="hold" nodeType="withEffect">
+                                  <p:stCondLst>
+                                    <p:cond delay="0"/>
+                                  </p:stCondLst>
+                                  <p:childTnLst>
+                                    <p:set>
+                                      <p:cBhvr>
+                                        <p:cTn id="30" dur="1" fill="hold">
+                                          <p:stCondLst>
+                                            <p:cond delay="0"/>
+                                          </p:stCondLst>
+                                        </p:cTn>
+                                        <p:tgtEl>
+                                          <p:spTgt spid="29"/>
+                                        </p:tgtEl>
+                                        <p:attrNameLst>
+                                          <p:attrName>style.visibility</p:attrName>
+                                        </p:attrNameLst>
+                                      </p:cBhvr>
+                                      <p:to>
+                                        <p:strVal val="visible"/>
+                                      </p:to>
+                                    </p:set>
+                                    <p:animEffect transition="in" filter="fade">
+                                      <p:cBhvr>
+                                        <p:cTn id="31" dur="500"/>
+                                        <p:tgtEl>
+                                          <p:spTgt spid="29"/>
+                                        </p:tgtEl>
+                                      </p:cBhvr>
+                                    </p:animEffect>
+                                  </p:childTnLst>
+                                </p:cTn>
+                              </p:par>
+                              <p:par>
+                                <p:cTn id="32" presetID="10" presetClass="entr" presetSubtype="0" fill="hold" nodeType="withEffect">
+                                  <p:stCondLst>
+                                    <p:cond delay="0"/>
+                                  </p:stCondLst>
+                                  <p:childTnLst>
+                                    <p:set>
+                                      <p:cBhvr>
+                                        <p:cTn id="33" dur="1" fill="hold">
+                                          <p:stCondLst>
+                                            <p:cond delay="0"/>
+                                          </p:stCondLst>
+                                        </p:cTn>
+                                        <p:tgtEl>
+                                          <p:spTgt spid="32"/>
+                                        </p:tgtEl>
+                                        <p:attrNameLst>
+                                          <p:attrName>style.visibility</p:attrName>
+                                        </p:attrNameLst>
+                                      </p:cBhvr>
+                                      <p:to>
+                                        <p:strVal val="visible"/>
+                                      </p:to>
+                                    </p:set>
+                                    <p:animEffect transition="in" filter="fade">
+                                      <p:cBhvr>
+                                        <p:cTn id="34" dur="500"/>
+                                        <p:tgtEl>
+                                          <p:spTgt spid="32"/>
+                                        </p:tgtEl>
+                                      </p:cBhvr>
+                                    </p:animEffect>
+                                  </p:childTnLst>
+                                </p:cTn>
+                              </p:par>
+                            </p:childTnLst>
+                          </p:cTn>
+                        </p:par>
+                      </p:childTnLst>
+                    </p:cTn>
+                  </p:par>
+                </p:childTnLst>
+              </p:cTn>
+              <p:prevCondLst>
+                <p:cond evt="onPrev" delay="0">
+                  <p:tgtEl>
+                    <p:sldTgt/>
+                  </p:tgtEl>
+                </p:cond>
+              </p:prevCondLst>
+              <p:nextCondLst>
+                <p:cond evt="onNext" delay="0">
+                  <p:tgtEl>
+                    <p:sldTgt/>
+                  </p:tgtEl>
+                </p:cond>
+              </p:nextCondLst>
+            </p:seq>
+          </p:childTnLst>
+        </p:cTn>
+      </p:par>
+    </p:tnLst>
+    <p:bldLst>
+      <p:bldP spid="24" grpId="0" animBg="1"/>
+    </p:bldLst>
+  </p:timing>
 </p:sld>
 </file>
 
@@ -8329,6 +9044,176 @@
           </a:prstGeom>
         </p:spPr>
       </p:pic>
+      <p:cxnSp>
+        <p:nvCxnSpPr>
+          <p:cNvPr id="6" name="Connettore diritto 5"/>
+          <p:cNvCxnSpPr/>
+          <p:nvPr/>
+        </p:nvCxnSpPr>
+        <p:spPr>
+          <a:xfrm flipH="1" flipV="1">
+            <a:off x="2277988" y="3501008"/>
+            <a:ext cx="916364" cy="937641"/>
+          </a:xfrm>
+          <a:prstGeom prst="line">
+            <a:avLst/>
+          </a:prstGeom>
+          <a:ln w="28575"/>
+        </p:spPr>
+        <p:style>
+          <a:lnRef idx="1">
+            <a:schemeClr val="accent2"/>
+          </a:lnRef>
+          <a:fillRef idx="0">
+            <a:schemeClr val="accent2"/>
+          </a:fillRef>
+          <a:effectRef idx="0">
+            <a:schemeClr val="accent2"/>
+          </a:effectRef>
+          <a:fontRef idx="minor">
+            <a:schemeClr val="tx1"/>
+          </a:fontRef>
+        </p:style>
+      </p:cxnSp>
+      <p:cxnSp>
+        <p:nvCxnSpPr>
+          <p:cNvPr id="13" name="Connettore diritto 12"/>
+          <p:cNvCxnSpPr/>
+          <p:nvPr/>
+        </p:nvCxnSpPr>
+        <p:spPr>
+          <a:xfrm flipH="1">
+            <a:off x="3718148" y="3379717"/>
+            <a:ext cx="648072" cy="409323"/>
+          </a:xfrm>
+          <a:prstGeom prst="line">
+            <a:avLst/>
+          </a:prstGeom>
+          <a:ln w="28575"/>
+        </p:spPr>
+        <p:style>
+          <a:lnRef idx="1">
+            <a:schemeClr val="accent2"/>
+          </a:lnRef>
+          <a:fillRef idx="0">
+            <a:schemeClr val="accent2"/>
+          </a:fillRef>
+          <a:effectRef idx="0">
+            <a:schemeClr val="accent2"/>
+          </a:effectRef>
+          <a:fontRef idx="minor">
+            <a:schemeClr val="tx1"/>
+          </a:fontRef>
+        </p:style>
+      </p:cxnSp>
+      <p:cxnSp>
+        <p:nvCxnSpPr>
+          <p:cNvPr id="16" name="Connettore diritto 15"/>
+          <p:cNvCxnSpPr/>
+          <p:nvPr/>
+        </p:nvCxnSpPr>
+        <p:spPr>
+          <a:xfrm flipV="1">
+            <a:off x="4438228" y="5373216"/>
+            <a:ext cx="216024" cy="361661"/>
+          </a:xfrm>
+          <a:prstGeom prst="line">
+            <a:avLst/>
+          </a:prstGeom>
+          <a:ln w="28575"/>
+        </p:spPr>
+        <p:style>
+          <a:lnRef idx="1">
+            <a:schemeClr val="accent2"/>
+          </a:lnRef>
+          <a:fillRef idx="0">
+            <a:schemeClr val="accent2"/>
+          </a:fillRef>
+          <a:effectRef idx="0">
+            <a:schemeClr val="accent2"/>
+          </a:effectRef>
+          <a:fontRef idx="minor">
+            <a:schemeClr val="tx1"/>
+          </a:fontRef>
+        </p:style>
+      </p:cxnSp>
+      <p:sp>
+        <p:nvSpPr>
+          <p:cNvPr id="19" name="Rettangolo 18"/>
+          <p:cNvSpPr/>
+          <p:nvPr/>
+        </p:nvSpPr>
+        <p:spPr>
+          <a:xfrm>
+            <a:off x="5158308" y="4438649"/>
+            <a:ext cx="6552728" cy="1366615"/>
+          </a:xfrm>
+          <a:prstGeom prst="rect">
+            <a:avLst/>
+          </a:prstGeom>
+          <a:solidFill>
+            <a:schemeClr val="bg1"/>
+          </a:solidFill>
+          <a:ln>
+            <a:noFill/>
+          </a:ln>
+        </p:spPr>
+        <p:style>
+          <a:lnRef idx="2">
+            <a:schemeClr val="accent1">
+              <a:shade val="50000"/>
+            </a:schemeClr>
+          </a:lnRef>
+          <a:fillRef idx="1">
+            <a:schemeClr val="accent1"/>
+          </a:fillRef>
+          <a:effectRef idx="0">
+            <a:schemeClr val="accent1"/>
+          </a:effectRef>
+          <a:fontRef idx="minor">
+            <a:schemeClr val="lt1"/>
+          </a:fontRef>
+        </p:style>
+        <p:txBody>
+          <a:bodyPr rtlCol="0" anchor="ctr"/>
+          <a:lstStyle/>
+          <a:p>
+            <a:pPr algn="ctr"/>
+            <a:endParaRPr lang="it-IT"/>
+          </a:p>
+        </p:txBody>
+      </p:sp>
+      <p:cxnSp>
+        <p:nvCxnSpPr>
+          <p:cNvPr id="20" name="Connettore diritto 19"/>
+          <p:cNvCxnSpPr/>
+          <p:nvPr/>
+        </p:nvCxnSpPr>
+        <p:spPr>
+          <a:xfrm flipH="1" flipV="1">
+            <a:off x="3407459" y="4797211"/>
+            <a:ext cx="916364" cy="937641"/>
+          </a:xfrm>
+          <a:prstGeom prst="line">
+            <a:avLst/>
+          </a:prstGeom>
+          <a:ln w="28575"/>
+        </p:spPr>
+        <p:style>
+          <a:lnRef idx="1">
+            <a:schemeClr val="accent2"/>
+          </a:lnRef>
+          <a:fillRef idx="0">
+            <a:schemeClr val="accent2"/>
+          </a:fillRef>
+          <a:effectRef idx="0">
+            <a:schemeClr val="accent2"/>
+          </a:effectRef>
+          <a:fontRef idx="minor">
+            <a:schemeClr val="tx1"/>
+          </a:fontRef>
+        </p:style>
+      </p:cxnSp>
     </p:spTree>
     <p:extLst>
       <p:ext uri="{BB962C8B-B14F-4D97-AF65-F5344CB8AC3E}">
@@ -8351,6 +9236,322 @@
       </p:transition>
     </mc:Fallback>
   </mc:AlternateContent>
+  <p:timing>
+    <p:tnLst>
+      <p:par>
+        <p:cTn id="1" dur="indefinite" restart="never" nodeType="tmRoot">
+          <p:childTnLst>
+            <p:seq concurrent="1" nextAc="seek">
+              <p:cTn id="2" dur="indefinite" nodeType="mainSeq">
+                <p:childTnLst>
+                  <p:par>
+                    <p:cTn id="3" fill="hold">
+                      <p:stCondLst>
+                        <p:cond delay="indefinite"/>
+                      </p:stCondLst>
+                      <p:childTnLst>
+                        <p:par>
+                          <p:cTn id="4" fill="hold">
+                            <p:stCondLst>
+                              <p:cond delay="0"/>
+                            </p:stCondLst>
+                            <p:childTnLst>
+                              <p:par>
+                                <p:cTn id="5" presetID="10" presetClass="exit" presetSubtype="0" fill="hold" nodeType="clickEffect">
+                                  <p:stCondLst>
+                                    <p:cond delay="0"/>
+                                  </p:stCondLst>
+                                  <p:childTnLst>
+                                    <p:animEffect transition="out" filter="fade">
+                                      <p:cBhvr>
+                                        <p:cTn id="6" dur="750"/>
+                                        <p:tgtEl>
+                                          <p:spTgt spid="6"/>
+                                        </p:tgtEl>
+                                      </p:cBhvr>
+                                    </p:animEffect>
+                                    <p:set>
+                                      <p:cBhvr>
+                                        <p:cTn id="7" dur="1" fill="hold">
+                                          <p:stCondLst>
+                                            <p:cond delay="749"/>
+                                          </p:stCondLst>
+                                        </p:cTn>
+                                        <p:tgtEl>
+                                          <p:spTgt spid="6"/>
+                                        </p:tgtEl>
+                                        <p:attrNameLst>
+                                          <p:attrName>style.visibility</p:attrName>
+                                        </p:attrNameLst>
+                                      </p:cBhvr>
+                                      <p:to>
+                                        <p:strVal val="hidden"/>
+                                      </p:to>
+                                    </p:set>
+                                  </p:childTnLst>
+                                </p:cTn>
+                              </p:par>
+                              <p:par>
+                                <p:cTn id="8" presetID="10" presetClass="exit" presetSubtype="0" fill="hold" nodeType="withEffect">
+                                  <p:stCondLst>
+                                    <p:cond delay="0"/>
+                                  </p:stCondLst>
+                                  <p:childTnLst>
+                                    <p:animEffect transition="out" filter="fade">
+                                      <p:cBhvr>
+                                        <p:cTn id="9" dur="750"/>
+                                        <p:tgtEl>
+                                          <p:spTgt spid="13"/>
+                                        </p:tgtEl>
+                                      </p:cBhvr>
+                                    </p:animEffect>
+                                    <p:set>
+                                      <p:cBhvr>
+                                        <p:cTn id="10" dur="1" fill="hold">
+                                          <p:stCondLst>
+                                            <p:cond delay="749"/>
+                                          </p:stCondLst>
+                                        </p:cTn>
+                                        <p:tgtEl>
+                                          <p:spTgt spid="13"/>
+                                        </p:tgtEl>
+                                        <p:attrNameLst>
+                                          <p:attrName>style.visibility</p:attrName>
+                                        </p:attrNameLst>
+                                      </p:cBhvr>
+                                      <p:to>
+                                        <p:strVal val="hidden"/>
+                                      </p:to>
+                                    </p:set>
+                                  </p:childTnLst>
+                                </p:cTn>
+                              </p:par>
+                              <p:par>
+                                <p:cTn id="11" presetID="10" presetClass="exit" presetSubtype="0" fill="hold" nodeType="withEffect">
+                                  <p:stCondLst>
+                                    <p:cond delay="0"/>
+                                  </p:stCondLst>
+                                  <p:childTnLst>
+                                    <p:animEffect transition="out" filter="fade">
+                                      <p:cBhvr>
+                                        <p:cTn id="12" dur="750"/>
+                                        <p:tgtEl>
+                                          <p:spTgt spid="16"/>
+                                        </p:tgtEl>
+                                      </p:cBhvr>
+                                    </p:animEffect>
+                                    <p:set>
+                                      <p:cBhvr>
+                                        <p:cTn id="13" dur="1" fill="hold">
+                                          <p:stCondLst>
+                                            <p:cond delay="749"/>
+                                          </p:stCondLst>
+                                        </p:cTn>
+                                        <p:tgtEl>
+                                          <p:spTgt spid="16"/>
+                                        </p:tgtEl>
+                                        <p:attrNameLst>
+                                          <p:attrName>style.visibility</p:attrName>
+                                        </p:attrNameLst>
+                                      </p:cBhvr>
+                                      <p:to>
+                                        <p:strVal val="hidden"/>
+                                      </p:to>
+                                    </p:set>
+                                  </p:childTnLst>
+                                </p:cTn>
+                              </p:par>
+                            </p:childTnLst>
+                          </p:cTn>
+                        </p:par>
+                        <p:par>
+                          <p:cTn id="14" fill="hold">
+                            <p:stCondLst>
+                              <p:cond delay="750"/>
+                            </p:stCondLst>
+                            <p:childTnLst>
+                              <p:par>
+                                <p:cTn id="15" presetID="42" presetClass="exit" presetSubtype="0" fill="hold" grpId="0" nodeType="afterEffect">
+                                  <p:stCondLst>
+                                    <p:cond delay="50"/>
+                                  </p:stCondLst>
+                                  <p:childTnLst>
+                                    <p:animEffect transition="out" filter="fade">
+                                      <p:cBhvr>
+                                        <p:cTn id="16" dur="500"/>
+                                        <p:tgtEl>
+                                          <p:spTgt spid="19"/>
+                                        </p:tgtEl>
+                                      </p:cBhvr>
+                                    </p:animEffect>
+                                    <p:anim calcmode="lin" valueType="num">
+                                      <p:cBhvr>
+                                        <p:cTn id="17" dur="500"/>
+                                        <p:tgtEl>
+                                          <p:spTgt spid="19"/>
+                                        </p:tgtEl>
+                                        <p:attrNameLst>
+                                          <p:attrName>ppt_x</p:attrName>
+                                        </p:attrNameLst>
+                                      </p:cBhvr>
+                                      <p:tavLst>
+                                        <p:tav tm="0">
+                                          <p:val>
+                                            <p:strVal val="ppt_x"/>
+                                          </p:val>
+                                        </p:tav>
+                                        <p:tav tm="100000">
+                                          <p:val>
+                                            <p:strVal val="ppt_x"/>
+                                          </p:val>
+                                        </p:tav>
+                                      </p:tavLst>
+                                    </p:anim>
+                                    <p:anim calcmode="lin" valueType="num">
+                                      <p:cBhvr>
+                                        <p:cTn id="18" dur="500"/>
+                                        <p:tgtEl>
+                                          <p:spTgt spid="19"/>
+                                        </p:tgtEl>
+                                        <p:attrNameLst>
+                                          <p:attrName>ppt_y</p:attrName>
+                                        </p:attrNameLst>
+                                      </p:cBhvr>
+                                      <p:tavLst>
+                                        <p:tav tm="0">
+                                          <p:val>
+                                            <p:strVal val="ppt_y"/>
+                                          </p:val>
+                                        </p:tav>
+                                        <p:tav tm="100000">
+                                          <p:val>
+                                            <p:strVal val="ppt_y+.1"/>
+                                          </p:val>
+                                        </p:tav>
+                                      </p:tavLst>
+                                    </p:anim>
+                                    <p:set>
+                                      <p:cBhvr>
+                                        <p:cTn id="19" dur="1" fill="hold">
+                                          <p:stCondLst>
+                                            <p:cond delay="499"/>
+                                          </p:stCondLst>
+                                        </p:cTn>
+                                        <p:tgtEl>
+                                          <p:spTgt spid="19"/>
+                                        </p:tgtEl>
+                                        <p:attrNameLst>
+                                          <p:attrName>style.visibility</p:attrName>
+                                        </p:attrNameLst>
+                                      </p:cBhvr>
+                                      <p:to>
+                                        <p:strVal val="hidden"/>
+                                      </p:to>
+                                    </p:set>
+                                  </p:childTnLst>
+                                </p:cTn>
+                              </p:par>
+                              <p:par>
+                                <p:cTn id="20" presetID="10" presetClass="entr" presetSubtype="0" fill="hold" nodeType="withEffect">
+                                  <p:stCondLst>
+                                    <p:cond delay="50"/>
+                                  </p:stCondLst>
+                                  <p:childTnLst>
+                                    <p:set>
+                                      <p:cBhvr>
+                                        <p:cTn id="21" dur="1" fill="hold">
+                                          <p:stCondLst>
+                                            <p:cond delay="0"/>
+                                          </p:stCondLst>
+                                        </p:cTn>
+                                        <p:tgtEl>
+                                          <p:spTgt spid="20"/>
+                                        </p:tgtEl>
+                                        <p:attrNameLst>
+                                          <p:attrName>style.visibility</p:attrName>
+                                        </p:attrNameLst>
+                                      </p:cBhvr>
+                                      <p:to>
+                                        <p:strVal val="visible"/>
+                                      </p:to>
+                                    </p:set>
+                                    <p:animEffect transition="in" filter="fade">
+                                      <p:cBhvr>
+                                        <p:cTn id="22" dur="500"/>
+                                        <p:tgtEl>
+                                          <p:spTgt spid="20"/>
+                                        </p:tgtEl>
+                                      </p:cBhvr>
+                                    </p:animEffect>
+                                  </p:childTnLst>
+                                </p:cTn>
+                              </p:par>
+                              <p:par>
+                                <p:cTn id="23" presetID="10" presetClass="entr" presetSubtype="0" fill="hold" nodeType="withEffect">
+                                  <p:stCondLst>
+                                    <p:cond delay="50"/>
+                                  </p:stCondLst>
+                                  <p:childTnLst>
+                                    <p:set>
+                                      <p:cBhvr>
+                                        <p:cTn id="24" dur="1" fill="hold">
+                                          <p:stCondLst>
+                                            <p:cond delay="0"/>
+                                          </p:stCondLst>
+                                        </p:cTn>
+                                        <p:tgtEl>
+                                          <p:spTgt spid="13"/>
+                                        </p:tgtEl>
+                                        <p:attrNameLst>
+                                          <p:attrName>style.visibility</p:attrName>
+                                        </p:attrNameLst>
+                                      </p:cBhvr>
+                                      <p:to>
+                                        <p:strVal val="visible"/>
+                                      </p:to>
+                                    </p:set>
+                                    <p:animEffect transition="in" filter="fade">
+                                      <p:cBhvr>
+                                        <p:cTn id="25" dur="500"/>
+                                        <p:tgtEl>
+                                          <p:spTgt spid="13"/>
+                                        </p:tgtEl>
+                                      </p:cBhvr>
+                                    </p:animEffect>
+                                  </p:childTnLst>
+                                </p:cTn>
+                              </p:par>
+                            </p:childTnLst>
+                          </p:cTn>
+                        </p:par>
+                      </p:childTnLst>
+                    </p:cTn>
+                  </p:par>
+                </p:childTnLst>
+              </p:cTn>
+              <p:prevCondLst>
+                <p:cond evt="onPrev" delay="0">
+                  <p:tgtEl>
+                    <p:sldTgt/>
+                  </p:tgtEl>
+                </p:cond>
+              </p:prevCondLst>
+              <p:nextCondLst>
+                <p:cond evt="onNext" delay="0">
+                  <p:tgtEl>
+                    <p:sldTgt/>
+                  </p:tgtEl>
+                </p:cond>
+              </p:nextCondLst>
+            </p:seq>
+          </p:childTnLst>
+        </p:cTn>
+      </p:par>
+    </p:tnLst>
+    <p:bldLst>
+      <p:bldP spid="19" grpId="0" animBg="1"/>
+    </p:bldLst>
+  </p:timing>
 </p:sld>
 </file>
 
@@ -8487,6 +9688,145 @@
           </a:prstGeom>
         </p:spPr>
       </p:pic>
+      <p:sp>
+        <p:nvSpPr>
+          <p:cNvPr id="6" name="Rettangolo 5"/>
+          <p:cNvSpPr/>
+          <p:nvPr/>
+        </p:nvSpPr>
+        <p:spPr>
+          <a:xfrm>
+            <a:off x="5302324" y="4365104"/>
+            <a:ext cx="6480720" cy="1224136"/>
+          </a:xfrm>
+          <a:prstGeom prst="rect">
+            <a:avLst/>
+          </a:prstGeom>
+          <a:solidFill>
+            <a:schemeClr val="bg1"/>
+          </a:solidFill>
+          <a:ln>
+            <a:noFill/>
+          </a:ln>
+        </p:spPr>
+        <p:style>
+          <a:lnRef idx="2">
+            <a:schemeClr val="accent1">
+              <a:shade val="50000"/>
+            </a:schemeClr>
+          </a:lnRef>
+          <a:fillRef idx="1">
+            <a:schemeClr val="accent1"/>
+          </a:fillRef>
+          <a:effectRef idx="0">
+            <a:schemeClr val="accent1"/>
+          </a:effectRef>
+          <a:fontRef idx="minor">
+            <a:schemeClr val="lt1"/>
+          </a:fontRef>
+        </p:style>
+        <p:txBody>
+          <a:bodyPr rtlCol="0" anchor="ctr"/>
+          <a:lstStyle/>
+          <a:p>
+            <a:pPr algn="ctr"/>
+            <a:endParaRPr lang="it-IT"/>
+          </a:p>
+        </p:txBody>
+      </p:sp>
+      <p:cxnSp>
+        <p:nvCxnSpPr>
+          <p:cNvPr id="8" name="Connettore diritto 7"/>
+          <p:cNvCxnSpPr/>
+          <p:nvPr/>
+        </p:nvCxnSpPr>
+        <p:spPr>
+          <a:xfrm flipH="1" flipV="1">
+            <a:off x="2349996" y="3379717"/>
+            <a:ext cx="792089" cy="913379"/>
+          </a:xfrm>
+          <a:prstGeom prst="line">
+            <a:avLst/>
+          </a:prstGeom>
+          <a:ln w="28575"/>
+        </p:spPr>
+        <p:style>
+          <a:lnRef idx="1">
+            <a:schemeClr val="accent2"/>
+          </a:lnRef>
+          <a:fillRef idx="0">
+            <a:schemeClr val="accent2"/>
+          </a:fillRef>
+          <a:effectRef idx="0">
+            <a:schemeClr val="accent2"/>
+          </a:effectRef>
+          <a:fontRef idx="minor">
+            <a:schemeClr val="tx1"/>
+          </a:fontRef>
+        </p:style>
+      </p:cxnSp>
+      <p:cxnSp>
+        <p:nvCxnSpPr>
+          <p:cNvPr id="10" name="Connettore diritto 9"/>
+          <p:cNvCxnSpPr/>
+          <p:nvPr/>
+        </p:nvCxnSpPr>
+        <p:spPr>
+          <a:xfrm flipV="1">
+            <a:off x="3718148" y="3379718"/>
+            <a:ext cx="504057" cy="337314"/>
+          </a:xfrm>
+          <a:prstGeom prst="line">
+            <a:avLst/>
+          </a:prstGeom>
+          <a:ln w="28575"/>
+        </p:spPr>
+        <p:style>
+          <a:lnRef idx="1">
+            <a:schemeClr val="accent2"/>
+          </a:lnRef>
+          <a:fillRef idx="0">
+            <a:schemeClr val="accent2"/>
+          </a:fillRef>
+          <a:effectRef idx="0">
+            <a:schemeClr val="accent2"/>
+          </a:effectRef>
+          <a:fontRef idx="minor">
+            <a:schemeClr val="tx1"/>
+          </a:fontRef>
+        </p:style>
+      </p:cxnSp>
+      <p:cxnSp>
+        <p:nvCxnSpPr>
+          <p:cNvPr id="13" name="Connettore diritto 12"/>
+          <p:cNvCxnSpPr/>
+          <p:nvPr/>
+        </p:nvCxnSpPr>
+        <p:spPr>
+          <a:xfrm flipH="1" flipV="1">
+            <a:off x="4222205" y="5157192"/>
+            <a:ext cx="144015" cy="288032"/>
+          </a:xfrm>
+          <a:prstGeom prst="line">
+            <a:avLst/>
+          </a:prstGeom>
+          <a:ln w="28575"/>
+        </p:spPr>
+        <p:style>
+          <a:lnRef idx="1">
+            <a:schemeClr val="accent2"/>
+          </a:lnRef>
+          <a:fillRef idx="0">
+            <a:schemeClr val="accent2"/>
+          </a:fillRef>
+          <a:effectRef idx="0">
+            <a:schemeClr val="accent2"/>
+          </a:effectRef>
+          <a:fontRef idx="minor">
+            <a:schemeClr val="tx1"/>
+          </a:fontRef>
+        </p:style>
+      </p:cxnSp>
     </p:spTree>
     <p:extLst>
       <p:ext uri="{BB962C8B-B14F-4D97-AF65-F5344CB8AC3E}">
@@ -8509,6 +9849,138 @@
       </p:transition>
     </mc:Fallback>
   </mc:AlternateContent>
+  <p:timing>
+    <p:tnLst>
+      <p:par>
+        <p:cTn id="1" dur="indefinite" restart="never" nodeType="tmRoot">
+          <p:childTnLst>
+            <p:seq concurrent="1" nextAc="seek">
+              <p:cTn id="2" dur="indefinite" nodeType="mainSeq">
+                <p:childTnLst>
+                  <p:par>
+                    <p:cTn id="3" fill="hold">
+                      <p:stCondLst>
+                        <p:cond delay="indefinite"/>
+                      </p:stCondLst>
+                      <p:childTnLst>
+                        <p:par>
+                          <p:cTn id="4" fill="hold">
+                            <p:stCondLst>
+                              <p:cond delay="0"/>
+                            </p:stCondLst>
+                            <p:childTnLst>
+                              <p:par>
+                                <p:cTn id="5" presetID="42" presetClass="exit" presetSubtype="0" fill="hold" grpId="0" nodeType="clickEffect">
+                                  <p:stCondLst>
+                                    <p:cond delay="0"/>
+                                  </p:stCondLst>
+                                  <p:childTnLst>
+                                    <p:animEffect transition="out" filter="fade">
+                                      <p:cBhvr>
+                                        <p:cTn id="6" dur="500"/>
+                                        <p:tgtEl>
+                                          <p:spTgt spid="6"/>
+                                        </p:tgtEl>
+                                      </p:cBhvr>
+                                    </p:animEffect>
+                                    <p:anim calcmode="lin" valueType="num">
+                                      <p:cBhvr>
+                                        <p:cTn id="7" dur="500"/>
+                                        <p:tgtEl>
+                                          <p:spTgt spid="6"/>
+                                        </p:tgtEl>
+                                        <p:attrNameLst>
+                                          <p:attrName>ppt_x</p:attrName>
+                                        </p:attrNameLst>
+                                      </p:cBhvr>
+                                      <p:tavLst>
+                                        <p:tav tm="0">
+                                          <p:val>
+                                            <p:strVal val="ppt_x"/>
+                                          </p:val>
+                                        </p:tav>
+                                        <p:tav tm="100000">
+                                          <p:val>
+                                            <p:strVal val="ppt_x"/>
+                                          </p:val>
+                                        </p:tav>
+                                      </p:tavLst>
+                                    </p:anim>
+                                    <p:anim calcmode="lin" valueType="num">
+                                      <p:cBhvr>
+                                        <p:cTn id="8" dur="500"/>
+                                        <p:tgtEl>
+                                          <p:spTgt spid="6"/>
+                                        </p:tgtEl>
+                                        <p:attrNameLst>
+                                          <p:attrName>ppt_y</p:attrName>
+                                        </p:attrNameLst>
+                                      </p:cBhvr>
+                                      <p:tavLst>
+                                        <p:tav tm="0">
+                                          <p:val>
+                                            <p:strVal val="ppt_y"/>
+                                          </p:val>
+                                        </p:tav>
+                                        <p:tav tm="100000">
+                                          <p:val>
+                                            <p:strVal val="ppt_y+.1"/>
+                                          </p:val>
+                                        </p:tav>
+                                      </p:tavLst>
+                                    </p:anim>
+                                    <p:set>
+                                      <p:cBhvr>
+                                        <p:cTn id="9" dur="1" fill="hold">
+                                          <p:stCondLst>
+                                            <p:cond delay="499"/>
+                                          </p:stCondLst>
+                                        </p:cTn>
+                                        <p:tgtEl>
+                                          <p:spTgt spid="6"/>
+                                        </p:tgtEl>
+                                        <p:attrNameLst>
+                                          <p:attrName>style.visibility</p:attrName>
+                                        </p:attrNameLst>
+                                      </p:cBhvr>
+                                      <p:to>
+                                        <p:strVal val="hidden"/>
+                                      </p:to>
+                                    </p:set>
+                                  </p:childTnLst>
+                                </p:cTn>
+                              </p:par>
+                            </p:childTnLst>
+                          </p:cTn>
+                        </p:par>
+                      </p:childTnLst>
+                    </p:cTn>
+                  </p:par>
+                </p:childTnLst>
+              </p:cTn>
+              <p:prevCondLst>
+                <p:cond evt="onPrev" delay="0">
+                  <p:tgtEl>
+                    <p:sldTgt/>
+                  </p:tgtEl>
+                </p:cond>
+              </p:prevCondLst>
+              <p:nextCondLst>
+                <p:cond evt="onNext" delay="0">
+                  <p:tgtEl>
+                    <p:sldTgt/>
+                  </p:tgtEl>
+                </p:cond>
+              </p:nextCondLst>
+            </p:seq>
+          </p:childTnLst>
+        </p:cTn>
+      </p:par>
+    </p:tnLst>
+    <p:bldLst>
+      <p:bldP spid="6" grpId="0" animBg="1"/>
+    </p:bldLst>
+  </p:timing>
 </p:sld>
 </file>
 
@@ -8616,6 +10088,13 @@
       </p:transition>
     </mc:Fallback>
   </mc:AlternateContent>
+  <p:timing>
+    <p:tnLst>
+      <p:par>
+        <p:cTn id="1" dur="indefinite" restart="never" nodeType="tmRoot"/>
+      </p:par>
+    </p:tnLst>
+  </p:timing>
 </p:sld>
 </file>
 
@@ -12105,6 +13584,13 @@
       </p:transition>
     </mc:Fallback>
   </mc:AlternateContent>
+  <p:timing>
+    <p:tnLst>
+      <p:par>
+        <p:cTn id="1" dur="indefinite" restart="never" nodeType="tmRoot"/>
+      </p:par>
+    </p:tnLst>
+  </p:timing>
 </p:sld>
 </file>
 
